--- a/Cloud Risk Management Analytics.pptx
+++ b/Cloud Risk Management Analytics.pptx
@@ -2,10 +2,19 @@
 <file path=ppt/presentation.xml><?xml version="1.0" encoding="utf-8"?>
 <p:presentation xmlns:a="http://schemas.openxmlformats.org/drawingml/2006/main" xmlns:r="http://schemas.openxmlformats.org/officeDocument/2006/relationships" xmlns:p="http://schemas.openxmlformats.org/presentationml/2006/main" saveSubsetFonts="1">
   <p:sldMasterIdLst>
-    <p:sldMasterId id="2147483648" r:id="rId1"/>
+    <p:sldMasterId id="2147483660" r:id="rId1"/>
   </p:sldMasterIdLst>
   <p:sldIdLst>
     <p:sldId id="256" r:id="rId2"/>
+    <p:sldId id="257" r:id="rId3"/>
+    <p:sldId id="258" r:id="rId4"/>
+    <p:sldId id="259" r:id="rId5"/>
+    <p:sldId id="260" r:id="rId6"/>
+    <p:sldId id="261" r:id="rId7"/>
+    <p:sldId id="262" r:id="rId8"/>
+    <p:sldId id="263" r:id="rId9"/>
+    <p:sldId id="264" r:id="rId10"/>
+    <p:sldId id="265" r:id="rId11"/>
   </p:sldIdLst>
   <p:sldSz cx="12192000" cy="6858000"/>
   <p:notesSz cx="6858000" cy="9144000"/>
@@ -104,6 +113,11 @@
       </a:defRPr>
     </a:lvl9pPr>
   </p:defaultTextStyle>
+  <p:extLst>
+    <p:ext uri="{EFAFB233-063F-42B5-8137-9DF3F51BA10A}">
+      <p15:sldGuideLst xmlns:p15="http://schemas.microsoft.com/office/powerpoint/2012/main"/>
+    </p:ext>
+  </p:extLst>
 </p:presentation>
 </file>
 
@@ -129,7 +143,7 @@
           <p:cNvPr id="2" name="Title 1">
             <a:extLst>
               <a:ext uri="{FF2B5EF4-FFF2-40B4-BE49-F238E27FC236}">
-                <a16:creationId xmlns:a16="http://schemas.microsoft.com/office/drawing/2014/main" id="{66E5C3FD-0690-F80D-4E31-2A298682B40D}"/>
+                <a16:creationId xmlns:a16="http://schemas.microsoft.com/office/drawing/2014/main" id="{5D439C6A-02A9-274B-1CE1-AF1DB72850ED}"/>
               </a:ext>
             </a:extLst>
           </p:cNvPr>
@@ -166,7 +180,7 @@
           <p:cNvPr id="3" name="Subtitle 2">
             <a:extLst>
               <a:ext uri="{FF2B5EF4-FFF2-40B4-BE49-F238E27FC236}">
-                <a16:creationId xmlns:a16="http://schemas.microsoft.com/office/drawing/2014/main" id="{FA3182F1-E9D4-BAFD-647B-D4C8F650DB4C}"/>
+                <a16:creationId xmlns:a16="http://schemas.microsoft.com/office/drawing/2014/main" id="{D22A5502-C3BA-F5C8-9A4D-EEF2ADEAD94C}"/>
               </a:ext>
             </a:extLst>
           </p:cNvPr>
@@ -236,7 +250,7 @@
           <p:cNvPr id="4" name="Date Placeholder 3">
             <a:extLst>
               <a:ext uri="{FF2B5EF4-FFF2-40B4-BE49-F238E27FC236}">
-                <a16:creationId xmlns:a16="http://schemas.microsoft.com/office/drawing/2014/main" id="{6277196D-83AA-C9D7-BC2B-6945F19D5BDC}"/>
+                <a16:creationId xmlns:a16="http://schemas.microsoft.com/office/drawing/2014/main" id="{7FC6EE99-4256-13CA-192C-F221C98F9EBF}"/>
               </a:ext>
             </a:extLst>
           </p:cNvPr>
@@ -265,7 +279,7 @@
           <p:cNvPr id="5" name="Footer Placeholder 4">
             <a:extLst>
               <a:ext uri="{FF2B5EF4-FFF2-40B4-BE49-F238E27FC236}">
-                <a16:creationId xmlns:a16="http://schemas.microsoft.com/office/drawing/2014/main" id="{958F2542-73BD-BAD7-0B75-3444A95C75A5}"/>
+                <a16:creationId xmlns:a16="http://schemas.microsoft.com/office/drawing/2014/main" id="{0F2FA397-2DE3-E33B-05F6-D98909624E15}"/>
               </a:ext>
             </a:extLst>
           </p:cNvPr>
@@ -290,7 +304,7 @@
           <p:cNvPr id="6" name="Slide Number Placeholder 5">
             <a:extLst>
               <a:ext uri="{FF2B5EF4-FFF2-40B4-BE49-F238E27FC236}">
-                <a16:creationId xmlns:a16="http://schemas.microsoft.com/office/drawing/2014/main" id="{6C6EE942-68A1-B885-1731-1003C8FEBF25}"/>
+                <a16:creationId xmlns:a16="http://schemas.microsoft.com/office/drawing/2014/main" id="{CB79D961-46DD-8FFF-4FAD-F405AE65304D}"/>
               </a:ext>
             </a:extLst>
           </p:cNvPr>
@@ -317,7 +331,7 @@
     </p:spTree>
     <p:extLst>
       <p:ext uri="{BB962C8B-B14F-4D97-AF65-F5344CB8AC3E}">
-        <p14:creationId xmlns:p14="http://schemas.microsoft.com/office/powerpoint/2010/main" val="2324106490"/>
+        <p14:creationId xmlns:p14="http://schemas.microsoft.com/office/powerpoint/2010/main" val="1167287386"/>
       </p:ext>
     </p:extLst>
   </p:cSld>
@@ -349,7 +363,7 @@
           <p:cNvPr id="2" name="Title 1">
             <a:extLst>
               <a:ext uri="{FF2B5EF4-FFF2-40B4-BE49-F238E27FC236}">
-                <a16:creationId xmlns:a16="http://schemas.microsoft.com/office/drawing/2014/main" id="{437A408E-5058-578B-33D1-330A394D1BF4}"/>
+                <a16:creationId xmlns:a16="http://schemas.microsoft.com/office/drawing/2014/main" id="{5A5B18D4-4C44-8521-067C-051FE8C81C39}"/>
               </a:ext>
             </a:extLst>
           </p:cNvPr>
@@ -377,7 +391,7 @@
           <p:cNvPr id="3" name="Vertical Text Placeholder 2">
             <a:extLst>
               <a:ext uri="{FF2B5EF4-FFF2-40B4-BE49-F238E27FC236}">
-                <a16:creationId xmlns:a16="http://schemas.microsoft.com/office/drawing/2014/main" id="{37A6062F-3908-BF42-069D-0C5C6E96FBA0}"/>
+                <a16:creationId xmlns:a16="http://schemas.microsoft.com/office/drawing/2014/main" id="{158C36F6-57A2-F307-1635-B31D8D5A591D}"/>
               </a:ext>
             </a:extLst>
           </p:cNvPr>
@@ -434,7 +448,7 @@
           <p:cNvPr id="4" name="Date Placeholder 3">
             <a:extLst>
               <a:ext uri="{FF2B5EF4-FFF2-40B4-BE49-F238E27FC236}">
-                <a16:creationId xmlns:a16="http://schemas.microsoft.com/office/drawing/2014/main" id="{E132C0F3-1067-B7CB-CC39-490BCAD72C63}"/>
+                <a16:creationId xmlns:a16="http://schemas.microsoft.com/office/drawing/2014/main" id="{FD4DD27C-0CAB-E309-78C5-FCD64342A637}"/>
               </a:ext>
             </a:extLst>
           </p:cNvPr>
@@ -463,7 +477,7 @@
           <p:cNvPr id="5" name="Footer Placeholder 4">
             <a:extLst>
               <a:ext uri="{FF2B5EF4-FFF2-40B4-BE49-F238E27FC236}">
-                <a16:creationId xmlns:a16="http://schemas.microsoft.com/office/drawing/2014/main" id="{0FD16A8A-3C0E-DB4F-3300-04856AD4753C}"/>
+                <a16:creationId xmlns:a16="http://schemas.microsoft.com/office/drawing/2014/main" id="{271A4BC3-4921-B82B-35AF-B76C819910A2}"/>
               </a:ext>
             </a:extLst>
           </p:cNvPr>
@@ -488,7 +502,7 @@
           <p:cNvPr id="6" name="Slide Number Placeholder 5">
             <a:extLst>
               <a:ext uri="{FF2B5EF4-FFF2-40B4-BE49-F238E27FC236}">
-                <a16:creationId xmlns:a16="http://schemas.microsoft.com/office/drawing/2014/main" id="{2A7A2160-670A-CD5D-FDD7-4922B68AA354}"/>
+                <a16:creationId xmlns:a16="http://schemas.microsoft.com/office/drawing/2014/main" id="{E5D67D65-40CB-96E0-C805-BDE2A749551E}"/>
               </a:ext>
             </a:extLst>
           </p:cNvPr>
@@ -515,7 +529,7 @@
     </p:spTree>
     <p:extLst>
       <p:ext uri="{BB962C8B-B14F-4D97-AF65-F5344CB8AC3E}">
-        <p14:creationId xmlns:p14="http://schemas.microsoft.com/office/powerpoint/2010/main" val="3848313142"/>
+        <p14:creationId xmlns:p14="http://schemas.microsoft.com/office/powerpoint/2010/main" val="1664633692"/>
       </p:ext>
     </p:extLst>
   </p:cSld>
@@ -547,7 +561,7 @@
           <p:cNvPr id="2" name="Vertical Title 1">
             <a:extLst>
               <a:ext uri="{FF2B5EF4-FFF2-40B4-BE49-F238E27FC236}">
-                <a16:creationId xmlns:a16="http://schemas.microsoft.com/office/drawing/2014/main" id="{1D89A17B-327E-4DE5-0C11-E26F30DF3748}"/>
+                <a16:creationId xmlns:a16="http://schemas.microsoft.com/office/drawing/2014/main" id="{17B3D378-84BB-52EA-A890-53B8C41FFFA3}"/>
               </a:ext>
             </a:extLst>
           </p:cNvPr>
@@ -580,7 +594,7 @@
           <p:cNvPr id="3" name="Vertical Text Placeholder 2">
             <a:extLst>
               <a:ext uri="{FF2B5EF4-FFF2-40B4-BE49-F238E27FC236}">
-                <a16:creationId xmlns:a16="http://schemas.microsoft.com/office/drawing/2014/main" id="{D489EA16-6517-7A03-3DFD-90EA2A0B6ED6}"/>
+                <a16:creationId xmlns:a16="http://schemas.microsoft.com/office/drawing/2014/main" id="{473564C1-649F-686B-A1F1-6F3349F2BB8E}"/>
               </a:ext>
             </a:extLst>
           </p:cNvPr>
@@ -642,7 +656,7 @@
           <p:cNvPr id="4" name="Date Placeholder 3">
             <a:extLst>
               <a:ext uri="{FF2B5EF4-FFF2-40B4-BE49-F238E27FC236}">
-                <a16:creationId xmlns:a16="http://schemas.microsoft.com/office/drawing/2014/main" id="{F6053322-B0AD-B3CF-EB33-3A3107A30FD8}"/>
+                <a16:creationId xmlns:a16="http://schemas.microsoft.com/office/drawing/2014/main" id="{E0EAA13E-8939-538E-A192-F2C93E2086AD}"/>
               </a:ext>
             </a:extLst>
           </p:cNvPr>
@@ -671,7 +685,7 @@
           <p:cNvPr id="5" name="Footer Placeholder 4">
             <a:extLst>
               <a:ext uri="{FF2B5EF4-FFF2-40B4-BE49-F238E27FC236}">
-                <a16:creationId xmlns:a16="http://schemas.microsoft.com/office/drawing/2014/main" id="{0A05BF7C-4339-297C-80B9-06834F32AD21}"/>
+                <a16:creationId xmlns:a16="http://schemas.microsoft.com/office/drawing/2014/main" id="{AF2115F8-B882-4BC6-7176-FDC4466D9C58}"/>
               </a:ext>
             </a:extLst>
           </p:cNvPr>
@@ -696,7 +710,7 @@
           <p:cNvPr id="6" name="Slide Number Placeholder 5">
             <a:extLst>
               <a:ext uri="{FF2B5EF4-FFF2-40B4-BE49-F238E27FC236}">
-                <a16:creationId xmlns:a16="http://schemas.microsoft.com/office/drawing/2014/main" id="{BF873548-1BAB-140E-A7F6-D09D5EA447EB}"/>
+                <a16:creationId xmlns:a16="http://schemas.microsoft.com/office/drawing/2014/main" id="{9340FF42-747A-10F8-94E0-7F99F60FD19F}"/>
               </a:ext>
             </a:extLst>
           </p:cNvPr>
@@ -723,7 +737,7 @@
     </p:spTree>
     <p:extLst>
       <p:ext uri="{BB962C8B-B14F-4D97-AF65-F5344CB8AC3E}">
-        <p14:creationId xmlns:p14="http://schemas.microsoft.com/office/powerpoint/2010/main" val="780010336"/>
+        <p14:creationId xmlns:p14="http://schemas.microsoft.com/office/powerpoint/2010/main" val="3054940963"/>
       </p:ext>
     </p:extLst>
   </p:cSld>
@@ -755,7 +769,7 @@
           <p:cNvPr id="2" name="Title 1">
             <a:extLst>
               <a:ext uri="{FF2B5EF4-FFF2-40B4-BE49-F238E27FC236}">
-                <a16:creationId xmlns:a16="http://schemas.microsoft.com/office/drawing/2014/main" id="{9B800952-31A7-B8F2-8235-FA65FA71F0EB}"/>
+                <a16:creationId xmlns:a16="http://schemas.microsoft.com/office/drawing/2014/main" id="{86F9AC5B-8527-F0CA-3067-802EF67F7D51}"/>
               </a:ext>
             </a:extLst>
           </p:cNvPr>
@@ -783,7 +797,7 @@
           <p:cNvPr id="3" name="Content Placeholder 2">
             <a:extLst>
               <a:ext uri="{FF2B5EF4-FFF2-40B4-BE49-F238E27FC236}">
-                <a16:creationId xmlns:a16="http://schemas.microsoft.com/office/drawing/2014/main" id="{9560BF9D-FD4A-B2BB-8535-0FF5FA9FA1CA}"/>
+                <a16:creationId xmlns:a16="http://schemas.microsoft.com/office/drawing/2014/main" id="{D981F9AE-C57B-E0BA-1E98-CC5241AE8745}"/>
               </a:ext>
             </a:extLst>
           </p:cNvPr>
@@ -840,7 +854,7 @@
           <p:cNvPr id="4" name="Date Placeholder 3">
             <a:extLst>
               <a:ext uri="{FF2B5EF4-FFF2-40B4-BE49-F238E27FC236}">
-                <a16:creationId xmlns:a16="http://schemas.microsoft.com/office/drawing/2014/main" id="{C0B57D58-8275-49A7-6BDF-A1E652041555}"/>
+                <a16:creationId xmlns:a16="http://schemas.microsoft.com/office/drawing/2014/main" id="{DBCF9DCA-9497-0C14-C829-5C9689307E45}"/>
               </a:ext>
             </a:extLst>
           </p:cNvPr>
@@ -869,7 +883,7 @@
           <p:cNvPr id="5" name="Footer Placeholder 4">
             <a:extLst>
               <a:ext uri="{FF2B5EF4-FFF2-40B4-BE49-F238E27FC236}">
-                <a16:creationId xmlns:a16="http://schemas.microsoft.com/office/drawing/2014/main" id="{82E695EB-FA1E-1E31-F1DA-C22A7E3E1E37}"/>
+                <a16:creationId xmlns:a16="http://schemas.microsoft.com/office/drawing/2014/main" id="{3BA6D068-A09F-8FFE-DDC7-4A4C97385CEB}"/>
               </a:ext>
             </a:extLst>
           </p:cNvPr>
@@ -894,7 +908,7 @@
           <p:cNvPr id="6" name="Slide Number Placeholder 5">
             <a:extLst>
               <a:ext uri="{FF2B5EF4-FFF2-40B4-BE49-F238E27FC236}">
-                <a16:creationId xmlns:a16="http://schemas.microsoft.com/office/drawing/2014/main" id="{7B55549E-A032-4504-0FFB-1DF000A2B7D2}"/>
+                <a16:creationId xmlns:a16="http://schemas.microsoft.com/office/drawing/2014/main" id="{8495CAF9-B3C2-DA43-5D1E-4481220DB5DF}"/>
               </a:ext>
             </a:extLst>
           </p:cNvPr>
@@ -921,7 +935,7 @@
     </p:spTree>
     <p:extLst>
       <p:ext uri="{BB962C8B-B14F-4D97-AF65-F5344CB8AC3E}">
-        <p14:creationId xmlns:p14="http://schemas.microsoft.com/office/powerpoint/2010/main" val="125401593"/>
+        <p14:creationId xmlns:p14="http://schemas.microsoft.com/office/powerpoint/2010/main" val="2921817163"/>
       </p:ext>
     </p:extLst>
   </p:cSld>
@@ -953,7 +967,7 @@
           <p:cNvPr id="2" name="Title 1">
             <a:extLst>
               <a:ext uri="{FF2B5EF4-FFF2-40B4-BE49-F238E27FC236}">
-                <a16:creationId xmlns:a16="http://schemas.microsoft.com/office/drawing/2014/main" id="{777718F2-FADC-A535-4C76-8366C208F71D}"/>
+                <a16:creationId xmlns:a16="http://schemas.microsoft.com/office/drawing/2014/main" id="{36467829-54D4-8EF8-4524-3CAFD29F5AD9}"/>
               </a:ext>
             </a:extLst>
           </p:cNvPr>
@@ -990,7 +1004,7 @@
           <p:cNvPr id="3" name="Text Placeholder 2">
             <a:extLst>
               <a:ext uri="{FF2B5EF4-FFF2-40B4-BE49-F238E27FC236}">
-                <a16:creationId xmlns:a16="http://schemas.microsoft.com/office/drawing/2014/main" id="{262E3E1E-7A2C-C756-8E10-7EA7FE4EB6BA}"/>
+                <a16:creationId xmlns:a16="http://schemas.microsoft.com/office/drawing/2014/main" id="{1C5820C5-0027-57DC-E8B1-6594AE40F34D}"/>
               </a:ext>
             </a:extLst>
           </p:cNvPr>
@@ -1015,7 +1029,7 @@
               <a:defRPr sz="2400">
                 <a:solidFill>
                   <a:schemeClr val="tx1">
-                    <a:tint val="75000"/>
+                    <a:tint val="82000"/>
                   </a:schemeClr>
                 </a:solidFill>
               </a:defRPr>
@@ -1025,7 +1039,7 @@
               <a:defRPr sz="2000">
                 <a:solidFill>
                   <a:schemeClr val="tx1">
-                    <a:tint val="75000"/>
+                    <a:tint val="82000"/>
                   </a:schemeClr>
                 </a:solidFill>
               </a:defRPr>
@@ -1035,7 +1049,7 @@
               <a:defRPr sz="1800">
                 <a:solidFill>
                   <a:schemeClr val="tx1">
-                    <a:tint val="75000"/>
+                    <a:tint val="82000"/>
                   </a:schemeClr>
                 </a:solidFill>
               </a:defRPr>
@@ -1045,7 +1059,7 @@
               <a:defRPr sz="1600">
                 <a:solidFill>
                   <a:schemeClr val="tx1">
-                    <a:tint val="75000"/>
+                    <a:tint val="82000"/>
                   </a:schemeClr>
                 </a:solidFill>
               </a:defRPr>
@@ -1055,7 +1069,7 @@
               <a:defRPr sz="1600">
                 <a:solidFill>
                   <a:schemeClr val="tx1">
-                    <a:tint val="75000"/>
+                    <a:tint val="82000"/>
                   </a:schemeClr>
                 </a:solidFill>
               </a:defRPr>
@@ -1065,7 +1079,7 @@
               <a:defRPr sz="1600">
                 <a:solidFill>
                   <a:schemeClr val="tx1">
-                    <a:tint val="75000"/>
+                    <a:tint val="82000"/>
                   </a:schemeClr>
                 </a:solidFill>
               </a:defRPr>
@@ -1075,7 +1089,7 @@
               <a:defRPr sz="1600">
                 <a:solidFill>
                   <a:schemeClr val="tx1">
-                    <a:tint val="75000"/>
+                    <a:tint val="82000"/>
                   </a:schemeClr>
                 </a:solidFill>
               </a:defRPr>
@@ -1085,7 +1099,7 @@
               <a:defRPr sz="1600">
                 <a:solidFill>
                   <a:schemeClr val="tx1">
-                    <a:tint val="75000"/>
+                    <a:tint val="82000"/>
                   </a:schemeClr>
                 </a:solidFill>
               </a:defRPr>
@@ -1095,7 +1109,7 @@
               <a:defRPr sz="1600">
                 <a:solidFill>
                   <a:schemeClr val="tx1">
-                    <a:tint val="75000"/>
+                    <a:tint val="82000"/>
                   </a:schemeClr>
                 </a:solidFill>
               </a:defRPr>
@@ -1115,7 +1129,7 @@
           <p:cNvPr id="4" name="Date Placeholder 3">
             <a:extLst>
               <a:ext uri="{FF2B5EF4-FFF2-40B4-BE49-F238E27FC236}">
-                <a16:creationId xmlns:a16="http://schemas.microsoft.com/office/drawing/2014/main" id="{F9E1F456-A430-CAB8-2E95-93AE4C765D79}"/>
+                <a16:creationId xmlns:a16="http://schemas.microsoft.com/office/drawing/2014/main" id="{0314D0B7-80DD-A124-2362-CA2292726E61}"/>
               </a:ext>
             </a:extLst>
           </p:cNvPr>
@@ -1144,7 +1158,7 @@
           <p:cNvPr id="5" name="Footer Placeholder 4">
             <a:extLst>
               <a:ext uri="{FF2B5EF4-FFF2-40B4-BE49-F238E27FC236}">
-                <a16:creationId xmlns:a16="http://schemas.microsoft.com/office/drawing/2014/main" id="{E3D8E23F-1F26-6586-65BF-5F13F5EC9AF2}"/>
+                <a16:creationId xmlns:a16="http://schemas.microsoft.com/office/drawing/2014/main" id="{66C218A4-E804-ECD0-DA5F-731B9648889A}"/>
               </a:ext>
             </a:extLst>
           </p:cNvPr>
@@ -1169,7 +1183,7 @@
           <p:cNvPr id="6" name="Slide Number Placeholder 5">
             <a:extLst>
               <a:ext uri="{FF2B5EF4-FFF2-40B4-BE49-F238E27FC236}">
-                <a16:creationId xmlns:a16="http://schemas.microsoft.com/office/drawing/2014/main" id="{12E39CAA-2DE3-C5B8-8BC0-A711C6FD5EAC}"/>
+                <a16:creationId xmlns:a16="http://schemas.microsoft.com/office/drawing/2014/main" id="{D215D852-AE33-5735-E6D4-F40E339E79D3}"/>
               </a:ext>
             </a:extLst>
           </p:cNvPr>
@@ -1196,7 +1210,7 @@
     </p:spTree>
     <p:extLst>
       <p:ext uri="{BB962C8B-B14F-4D97-AF65-F5344CB8AC3E}">
-        <p14:creationId xmlns:p14="http://schemas.microsoft.com/office/powerpoint/2010/main" val="721576871"/>
+        <p14:creationId xmlns:p14="http://schemas.microsoft.com/office/powerpoint/2010/main" val="464149324"/>
       </p:ext>
     </p:extLst>
   </p:cSld>
@@ -1228,7 +1242,7 @@
           <p:cNvPr id="2" name="Title 1">
             <a:extLst>
               <a:ext uri="{FF2B5EF4-FFF2-40B4-BE49-F238E27FC236}">
-                <a16:creationId xmlns:a16="http://schemas.microsoft.com/office/drawing/2014/main" id="{BA035EDF-D1B2-5919-9A16-E678CD0BCFEC}"/>
+                <a16:creationId xmlns:a16="http://schemas.microsoft.com/office/drawing/2014/main" id="{A6EB24B8-7031-89A5-545D-5341595FF1F0}"/>
               </a:ext>
             </a:extLst>
           </p:cNvPr>
@@ -1256,7 +1270,7 @@
           <p:cNvPr id="3" name="Content Placeholder 2">
             <a:extLst>
               <a:ext uri="{FF2B5EF4-FFF2-40B4-BE49-F238E27FC236}">
-                <a16:creationId xmlns:a16="http://schemas.microsoft.com/office/drawing/2014/main" id="{E8D68026-C38D-96DC-89CF-31370203D750}"/>
+                <a16:creationId xmlns:a16="http://schemas.microsoft.com/office/drawing/2014/main" id="{318A6B14-C431-64A2-6ADD-86A492D2A45B}"/>
               </a:ext>
             </a:extLst>
           </p:cNvPr>
@@ -1318,7 +1332,7 @@
           <p:cNvPr id="4" name="Content Placeholder 3">
             <a:extLst>
               <a:ext uri="{FF2B5EF4-FFF2-40B4-BE49-F238E27FC236}">
-                <a16:creationId xmlns:a16="http://schemas.microsoft.com/office/drawing/2014/main" id="{E9EFCB87-BC1A-F0E7-6FB9-3DC77BF5E420}"/>
+                <a16:creationId xmlns:a16="http://schemas.microsoft.com/office/drawing/2014/main" id="{7EE6B25C-AAAE-2F31-8FE9-B34735AA5A96}"/>
               </a:ext>
             </a:extLst>
           </p:cNvPr>
@@ -1380,7 +1394,7 @@
           <p:cNvPr id="5" name="Date Placeholder 4">
             <a:extLst>
               <a:ext uri="{FF2B5EF4-FFF2-40B4-BE49-F238E27FC236}">
-                <a16:creationId xmlns:a16="http://schemas.microsoft.com/office/drawing/2014/main" id="{6542F592-76C2-B109-C403-096021285406}"/>
+                <a16:creationId xmlns:a16="http://schemas.microsoft.com/office/drawing/2014/main" id="{D19C29ED-13DD-ED16-64C1-319FE86CD897}"/>
               </a:ext>
             </a:extLst>
           </p:cNvPr>
@@ -1409,7 +1423,7 @@
           <p:cNvPr id="6" name="Footer Placeholder 5">
             <a:extLst>
               <a:ext uri="{FF2B5EF4-FFF2-40B4-BE49-F238E27FC236}">
-                <a16:creationId xmlns:a16="http://schemas.microsoft.com/office/drawing/2014/main" id="{A1407AE8-5F45-9AB4-FC95-A646454CEA80}"/>
+                <a16:creationId xmlns:a16="http://schemas.microsoft.com/office/drawing/2014/main" id="{2164EB3A-9734-4813-9456-73460AAC9FDB}"/>
               </a:ext>
             </a:extLst>
           </p:cNvPr>
@@ -1434,7 +1448,7 @@
           <p:cNvPr id="7" name="Slide Number Placeholder 6">
             <a:extLst>
               <a:ext uri="{FF2B5EF4-FFF2-40B4-BE49-F238E27FC236}">
-                <a16:creationId xmlns:a16="http://schemas.microsoft.com/office/drawing/2014/main" id="{07F417E2-9399-CDFD-70FE-D7D1D8CA094C}"/>
+                <a16:creationId xmlns:a16="http://schemas.microsoft.com/office/drawing/2014/main" id="{1C92886A-AD76-E786-9EF4-31A33D4E0CA5}"/>
               </a:ext>
             </a:extLst>
           </p:cNvPr>
@@ -1461,7 +1475,7 @@
     </p:spTree>
     <p:extLst>
       <p:ext uri="{BB962C8B-B14F-4D97-AF65-F5344CB8AC3E}">
-        <p14:creationId xmlns:p14="http://schemas.microsoft.com/office/powerpoint/2010/main" val="3185171229"/>
+        <p14:creationId xmlns:p14="http://schemas.microsoft.com/office/powerpoint/2010/main" val="2496271433"/>
       </p:ext>
     </p:extLst>
   </p:cSld>
@@ -1493,7 +1507,7 @@
           <p:cNvPr id="2" name="Title 1">
             <a:extLst>
               <a:ext uri="{FF2B5EF4-FFF2-40B4-BE49-F238E27FC236}">
-                <a16:creationId xmlns:a16="http://schemas.microsoft.com/office/drawing/2014/main" id="{D5595856-1BC8-3C3B-6729-A4BC6B223C72}"/>
+                <a16:creationId xmlns:a16="http://schemas.microsoft.com/office/drawing/2014/main" id="{FA92EAC9-946A-1D8B-4CAF-26C2CC6FC311}"/>
               </a:ext>
             </a:extLst>
           </p:cNvPr>
@@ -1526,7 +1540,7 @@
           <p:cNvPr id="3" name="Text Placeholder 2">
             <a:extLst>
               <a:ext uri="{FF2B5EF4-FFF2-40B4-BE49-F238E27FC236}">
-                <a16:creationId xmlns:a16="http://schemas.microsoft.com/office/drawing/2014/main" id="{6CC2BFA4-41E1-62D4-A5B5-A61A3E4CBE9D}"/>
+                <a16:creationId xmlns:a16="http://schemas.microsoft.com/office/drawing/2014/main" id="{3C71CEAD-B8A4-26D9-1B14-D4301C3D8076}"/>
               </a:ext>
             </a:extLst>
           </p:cNvPr>
@@ -1597,7 +1611,7 @@
           <p:cNvPr id="4" name="Content Placeholder 3">
             <a:extLst>
               <a:ext uri="{FF2B5EF4-FFF2-40B4-BE49-F238E27FC236}">
-                <a16:creationId xmlns:a16="http://schemas.microsoft.com/office/drawing/2014/main" id="{E60AECD4-F572-35AB-0487-EA712F4B611E}"/>
+                <a16:creationId xmlns:a16="http://schemas.microsoft.com/office/drawing/2014/main" id="{2A05B977-1D43-6DCF-7C28-26E925A14AAB}"/>
               </a:ext>
             </a:extLst>
           </p:cNvPr>
@@ -1659,7 +1673,7 @@
           <p:cNvPr id="5" name="Text Placeholder 4">
             <a:extLst>
               <a:ext uri="{FF2B5EF4-FFF2-40B4-BE49-F238E27FC236}">
-                <a16:creationId xmlns:a16="http://schemas.microsoft.com/office/drawing/2014/main" id="{03438BDF-7CDD-6BCD-4E9E-2D9793A2B842}"/>
+                <a16:creationId xmlns:a16="http://schemas.microsoft.com/office/drawing/2014/main" id="{AC40C08C-83A1-9A74-7F9C-755C7CC167DD}"/>
               </a:ext>
             </a:extLst>
           </p:cNvPr>
@@ -1730,7 +1744,7 @@
           <p:cNvPr id="6" name="Content Placeholder 5">
             <a:extLst>
               <a:ext uri="{FF2B5EF4-FFF2-40B4-BE49-F238E27FC236}">
-                <a16:creationId xmlns:a16="http://schemas.microsoft.com/office/drawing/2014/main" id="{81837C32-0FE0-67E5-A27A-38A7DC090E8B}"/>
+                <a16:creationId xmlns:a16="http://schemas.microsoft.com/office/drawing/2014/main" id="{E8550923-5142-B75F-9343-164285CD2B03}"/>
               </a:ext>
             </a:extLst>
           </p:cNvPr>
@@ -1792,7 +1806,7 @@
           <p:cNvPr id="7" name="Date Placeholder 6">
             <a:extLst>
               <a:ext uri="{FF2B5EF4-FFF2-40B4-BE49-F238E27FC236}">
-                <a16:creationId xmlns:a16="http://schemas.microsoft.com/office/drawing/2014/main" id="{CC22A791-0B0C-4A74-9899-3F79B1791FB0}"/>
+                <a16:creationId xmlns:a16="http://schemas.microsoft.com/office/drawing/2014/main" id="{79A27061-8FE2-6485-7DE5-511DE6769FC7}"/>
               </a:ext>
             </a:extLst>
           </p:cNvPr>
@@ -1821,7 +1835,7 @@
           <p:cNvPr id="8" name="Footer Placeholder 7">
             <a:extLst>
               <a:ext uri="{FF2B5EF4-FFF2-40B4-BE49-F238E27FC236}">
-                <a16:creationId xmlns:a16="http://schemas.microsoft.com/office/drawing/2014/main" id="{1B50F08F-8964-B41B-08C6-1A7566527071}"/>
+                <a16:creationId xmlns:a16="http://schemas.microsoft.com/office/drawing/2014/main" id="{E679FCA7-A572-1CFF-62E2-CDD728912947}"/>
               </a:ext>
             </a:extLst>
           </p:cNvPr>
@@ -1846,7 +1860,7 @@
           <p:cNvPr id="9" name="Slide Number Placeholder 8">
             <a:extLst>
               <a:ext uri="{FF2B5EF4-FFF2-40B4-BE49-F238E27FC236}">
-                <a16:creationId xmlns:a16="http://schemas.microsoft.com/office/drawing/2014/main" id="{858CCB8A-F314-405F-A651-20213D09E784}"/>
+                <a16:creationId xmlns:a16="http://schemas.microsoft.com/office/drawing/2014/main" id="{74BF7F4C-2126-6488-757E-712B50DCBF07}"/>
               </a:ext>
             </a:extLst>
           </p:cNvPr>
@@ -1873,7 +1887,7 @@
     </p:spTree>
     <p:extLst>
       <p:ext uri="{BB962C8B-B14F-4D97-AF65-F5344CB8AC3E}">
-        <p14:creationId xmlns:p14="http://schemas.microsoft.com/office/powerpoint/2010/main" val="1820303217"/>
+        <p14:creationId xmlns:p14="http://schemas.microsoft.com/office/powerpoint/2010/main" val="3885781484"/>
       </p:ext>
     </p:extLst>
   </p:cSld>
@@ -1905,7 +1919,7 @@
           <p:cNvPr id="2" name="Title 1">
             <a:extLst>
               <a:ext uri="{FF2B5EF4-FFF2-40B4-BE49-F238E27FC236}">
-                <a16:creationId xmlns:a16="http://schemas.microsoft.com/office/drawing/2014/main" id="{631B2B5D-73F1-BA90-F451-51440DAD3261}"/>
+                <a16:creationId xmlns:a16="http://schemas.microsoft.com/office/drawing/2014/main" id="{4487B20B-797A-65F0-E65E-5D1F293B89D7}"/>
               </a:ext>
             </a:extLst>
           </p:cNvPr>
@@ -1933,7 +1947,7 @@
           <p:cNvPr id="3" name="Date Placeholder 2">
             <a:extLst>
               <a:ext uri="{FF2B5EF4-FFF2-40B4-BE49-F238E27FC236}">
-                <a16:creationId xmlns:a16="http://schemas.microsoft.com/office/drawing/2014/main" id="{0B0D0476-FB02-BDDB-99A6-AD787BC093CA}"/>
+                <a16:creationId xmlns:a16="http://schemas.microsoft.com/office/drawing/2014/main" id="{8825F99C-F458-952C-04BF-DA6FDDF2B6F0}"/>
               </a:ext>
             </a:extLst>
           </p:cNvPr>
@@ -1962,7 +1976,7 @@
           <p:cNvPr id="4" name="Footer Placeholder 3">
             <a:extLst>
               <a:ext uri="{FF2B5EF4-FFF2-40B4-BE49-F238E27FC236}">
-                <a16:creationId xmlns:a16="http://schemas.microsoft.com/office/drawing/2014/main" id="{1A9F94BB-091D-43F9-BCC8-75CDA4586A4D}"/>
+                <a16:creationId xmlns:a16="http://schemas.microsoft.com/office/drawing/2014/main" id="{99D026F4-219A-2A13-374D-8DC071DEA6EE}"/>
               </a:ext>
             </a:extLst>
           </p:cNvPr>
@@ -1987,7 +2001,7 @@
           <p:cNvPr id="5" name="Slide Number Placeholder 4">
             <a:extLst>
               <a:ext uri="{FF2B5EF4-FFF2-40B4-BE49-F238E27FC236}">
-                <a16:creationId xmlns:a16="http://schemas.microsoft.com/office/drawing/2014/main" id="{4187457B-E608-389E-0CE5-22391D0D0085}"/>
+                <a16:creationId xmlns:a16="http://schemas.microsoft.com/office/drawing/2014/main" id="{ADDD4BA9-1429-8E45-B8C0-9EBCCD64801F}"/>
               </a:ext>
             </a:extLst>
           </p:cNvPr>
@@ -2014,7 +2028,7 @@
     </p:spTree>
     <p:extLst>
       <p:ext uri="{BB962C8B-B14F-4D97-AF65-F5344CB8AC3E}">
-        <p14:creationId xmlns:p14="http://schemas.microsoft.com/office/powerpoint/2010/main" val="1258055577"/>
+        <p14:creationId xmlns:p14="http://schemas.microsoft.com/office/powerpoint/2010/main" val="1621635150"/>
       </p:ext>
     </p:extLst>
   </p:cSld>
@@ -2046,7 +2060,7 @@
           <p:cNvPr id="2" name="Date Placeholder 1">
             <a:extLst>
               <a:ext uri="{FF2B5EF4-FFF2-40B4-BE49-F238E27FC236}">
-                <a16:creationId xmlns:a16="http://schemas.microsoft.com/office/drawing/2014/main" id="{00322F2F-E306-0D33-0ADB-C2DD5B617F18}"/>
+                <a16:creationId xmlns:a16="http://schemas.microsoft.com/office/drawing/2014/main" id="{815D07D4-75E4-5C05-61CF-64A318983398}"/>
               </a:ext>
             </a:extLst>
           </p:cNvPr>
@@ -2075,7 +2089,7 @@
           <p:cNvPr id="3" name="Footer Placeholder 2">
             <a:extLst>
               <a:ext uri="{FF2B5EF4-FFF2-40B4-BE49-F238E27FC236}">
-                <a16:creationId xmlns:a16="http://schemas.microsoft.com/office/drawing/2014/main" id="{7E7AA902-1300-EC59-957B-97084C590188}"/>
+                <a16:creationId xmlns:a16="http://schemas.microsoft.com/office/drawing/2014/main" id="{C9676677-3056-4EBC-FBFD-F6A1612B9CE1}"/>
               </a:ext>
             </a:extLst>
           </p:cNvPr>
@@ -2100,7 +2114,7 @@
           <p:cNvPr id="4" name="Slide Number Placeholder 3">
             <a:extLst>
               <a:ext uri="{FF2B5EF4-FFF2-40B4-BE49-F238E27FC236}">
-                <a16:creationId xmlns:a16="http://schemas.microsoft.com/office/drawing/2014/main" id="{2A408E1B-EB9D-A7B7-4BD4-395ADAE8717A}"/>
+                <a16:creationId xmlns:a16="http://schemas.microsoft.com/office/drawing/2014/main" id="{F1FA4610-BEDC-AEF2-D9A0-834C203464B1}"/>
               </a:ext>
             </a:extLst>
           </p:cNvPr>
@@ -2127,7 +2141,7 @@
     </p:spTree>
     <p:extLst>
       <p:ext uri="{BB962C8B-B14F-4D97-AF65-F5344CB8AC3E}">
-        <p14:creationId xmlns:p14="http://schemas.microsoft.com/office/powerpoint/2010/main" val="4191753695"/>
+        <p14:creationId xmlns:p14="http://schemas.microsoft.com/office/powerpoint/2010/main" val="608953036"/>
       </p:ext>
     </p:extLst>
   </p:cSld>
@@ -2159,7 +2173,7 @@
           <p:cNvPr id="2" name="Title 1">
             <a:extLst>
               <a:ext uri="{FF2B5EF4-FFF2-40B4-BE49-F238E27FC236}">
-                <a16:creationId xmlns:a16="http://schemas.microsoft.com/office/drawing/2014/main" id="{7D8385CB-6368-FB8C-D985-BB012378A5A0}"/>
+                <a16:creationId xmlns:a16="http://schemas.microsoft.com/office/drawing/2014/main" id="{EF7C0F39-2FF6-8834-7030-673EC23A539C}"/>
               </a:ext>
             </a:extLst>
           </p:cNvPr>
@@ -2196,7 +2210,7 @@
           <p:cNvPr id="3" name="Content Placeholder 2">
             <a:extLst>
               <a:ext uri="{FF2B5EF4-FFF2-40B4-BE49-F238E27FC236}">
-                <a16:creationId xmlns:a16="http://schemas.microsoft.com/office/drawing/2014/main" id="{8A12606D-4AFC-5DC6-1101-046B8245AA37}"/>
+                <a16:creationId xmlns:a16="http://schemas.microsoft.com/office/drawing/2014/main" id="{ADD2C2AE-3CBD-346C-96EF-B408C631E72C}"/>
               </a:ext>
             </a:extLst>
           </p:cNvPr>
@@ -2286,7 +2300,7 @@
           <p:cNvPr id="4" name="Text Placeholder 3">
             <a:extLst>
               <a:ext uri="{FF2B5EF4-FFF2-40B4-BE49-F238E27FC236}">
-                <a16:creationId xmlns:a16="http://schemas.microsoft.com/office/drawing/2014/main" id="{93FEC5DE-D084-4132-621E-A04C15BA7420}"/>
+                <a16:creationId xmlns:a16="http://schemas.microsoft.com/office/drawing/2014/main" id="{05F18624-C29E-5485-45DB-77D6A4BF2185}"/>
               </a:ext>
             </a:extLst>
           </p:cNvPr>
@@ -2357,7 +2371,7 @@
           <p:cNvPr id="5" name="Date Placeholder 4">
             <a:extLst>
               <a:ext uri="{FF2B5EF4-FFF2-40B4-BE49-F238E27FC236}">
-                <a16:creationId xmlns:a16="http://schemas.microsoft.com/office/drawing/2014/main" id="{7D69D7CC-BAAC-81FD-E19E-32961CA939AB}"/>
+                <a16:creationId xmlns:a16="http://schemas.microsoft.com/office/drawing/2014/main" id="{57D0F747-CDC9-3149-4266-393873B22EDA}"/>
               </a:ext>
             </a:extLst>
           </p:cNvPr>
@@ -2386,7 +2400,7 @@
           <p:cNvPr id="6" name="Footer Placeholder 5">
             <a:extLst>
               <a:ext uri="{FF2B5EF4-FFF2-40B4-BE49-F238E27FC236}">
-                <a16:creationId xmlns:a16="http://schemas.microsoft.com/office/drawing/2014/main" id="{8428D399-7081-1233-F1B1-3D027FEE4608}"/>
+                <a16:creationId xmlns:a16="http://schemas.microsoft.com/office/drawing/2014/main" id="{D1235D2B-EF7A-6E74-B598-DA6129C478FA}"/>
               </a:ext>
             </a:extLst>
           </p:cNvPr>
@@ -2411,7 +2425,7 @@
           <p:cNvPr id="7" name="Slide Number Placeholder 6">
             <a:extLst>
               <a:ext uri="{FF2B5EF4-FFF2-40B4-BE49-F238E27FC236}">
-                <a16:creationId xmlns:a16="http://schemas.microsoft.com/office/drawing/2014/main" id="{28F15F57-8D6F-7791-2CE7-02CBC117DAC5}"/>
+                <a16:creationId xmlns:a16="http://schemas.microsoft.com/office/drawing/2014/main" id="{BD7EA2D1-F57E-ECDE-253F-F12B8C32CDA3}"/>
               </a:ext>
             </a:extLst>
           </p:cNvPr>
@@ -2438,7 +2452,7 @@
     </p:spTree>
     <p:extLst>
       <p:ext uri="{BB962C8B-B14F-4D97-AF65-F5344CB8AC3E}">
-        <p14:creationId xmlns:p14="http://schemas.microsoft.com/office/powerpoint/2010/main" val="2701234298"/>
+        <p14:creationId xmlns:p14="http://schemas.microsoft.com/office/powerpoint/2010/main" val="93834154"/>
       </p:ext>
     </p:extLst>
   </p:cSld>
@@ -2470,7 +2484,7 @@
           <p:cNvPr id="2" name="Title 1">
             <a:extLst>
               <a:ext uri="{FF2B5EF4-FFF2-40B4-BE49-F238E27FC236}">
-                <a16:creationId xmlns:a16="http://schemas.microsoft.com/office/drawing/2014/main" id="{9731013E-14CD-BF2B-1C75-EC4533B8932B}"/>
+                <a16:creationId xmlns:a16="http://schemas.microsoft.com/office/drawing/2014/main" id="{D8A2A324-18C9-55EF-9F0D-84B22FBED867}"/>
               </a:ext>
             </a:extLst>
           </p:cNvPr>
@@ -2507,7 +2521,7 @@
           <p:cNvPr id="3" name="Picture Placeholder 2">
             <a:extLst>
               <a:ext uri="{FF2B5EF4-FFF2-40B4-BE49-F238E27FC236}">
-                <a16:creationId xmlns:a16="http://schemas.microsoft.com/office/drawing/2014/main" id="{23253495-964B-10AE-0A4B-6679A7CFC399}"/>
+                <a16:creationId xmlns:a16="http://schemas.microsoft.com/office/drawing/2014/main" id="{7699D467-3236-548C-F129-7042831E4C93}"/>
               </a:ext>
             </a:extLst>
           </p:cNvPr>
@@ -2574,7 +2588,7 @@
           <p:cNvPr id="4" name="Text Placeholder 3">
             <a:extLst>
               <a:ext uri="{FF2B5EF4-FFF2-40B4-BE49-F238E27FC236}">
-                <a16:creationId xmlns:a16="http://schemas.microsoft.com/office/drawing/2014/main" id="{9C544CCA-6D5C-7347-78BF-69F045CBE970}"/>
+                <a16:creationId xmlns:a16="http://schemas.microsoft.com/office/drawing/2014/main" id="{6DB325A4-3D84-D27C-29CF-E193526E8C98}"/>
               </a:ext>
             </a:extLst>
           </p:cNvPr>
@@ -2645,7 +2659,7 @@
           <p:cNvPr id="5" name="Date Placeholder 4">
             <a:extLst>
               <a:ext uri="{FF2B5EF4-FFF2-40B4-BE49-F238E27FC236}">
-                <a16:creationId xmlns:a16="http://schemas.microsoft.com/office/drawing/2014/main" id="{3150ADAE-EDD6-ED7C-51EC-BA07205B821D}"/>
+                <a16:creationId xmlns:a16="http://schemas.microsoft.com/office/drawing/2014/main" id="{63517882-51AD-CD86-E3F5-6608660B6898}"/>
               </a:ext>
             </a:extLst>
           </p:cNvPr>
@@ -2674,7 +2688,7 @@
           <p:cNvPr id="6" name="Footer Placeholder 5">
             <a:extLst>
               <a:ext uri="{FF2B5EF4-FFF2-40B4-BE49-F238E27FC236}">
-                <a16:creationId xmlns:a16="http://schemas.microsoft.com/office/drawing/2014/main" id="{AE92B37D-2E79-9C6C-BF11-D0099512A4AC}"/>
+                <a16:creationId xmlns:a16="http://schemas.microsoft.com/office/drawing/2014/main" id="{3F13A898-AB0E-3D12-1C8C-E6EAD3F7A7ED}"/>
               </a:ext>
             </a:extLst>
           </p:cNvPr>
@@ -2699,7 +2713,7 @@
           <p:cNvPr id="7" name="Slide Number Placeholder 6">
             <a:extLst>
               <a:ext uri="{FF2B5EF4-FFF2-40B4-BE49-F238E27FC236}">
-                <a16:creationId xmlns:a16="http://schemas.microsoft.com/office/drawing/2014/main" id="{9C18A3E5-F436-AEB9-11CB-7D79F06BB1B7}"/>
+                <a16:creationId xmlns:a16="http://schemas.microsoft.com/office/drawing/2014/main" id="{8276EC83-F4F7-8FC8-BEC6-917F7ABB9875}"/>
               </a:ext>
             </a:extLst>
           </p:cNvPr>
@@ -2726,7 +2740,7 @@
     </p:spTree>
     <p:extLst>
       <p:ext uri="{BB962C8B-B14F-4D97-AF65-F5344CB8AC3E}">
-        <p14:creationId xmlns:p14="http://schemas.microsoft.com/office/powerpoint/2010/main" val="3547117364"/>
+        <p14:creationId xmlns:p14="http://schemas.microsoft.com/office/powerpoint/2010/main" val="1906276592"/>
       </p:ext>
     </p:extLst>
   </p:cSld>
@@ -2763,7 +2777,7 @@
           <p:cNvPr id="2" name="Title Placeholder 1">
             <a:extLst>
               <a:ext uri="{FF2B5EF4-FFF2-40B4-BE49-F238E27FC236}">
-                <a16:creationId xmlns:a16="http://schemas.microsoft.com/office/drawing/2014/main" id="{48CD4AEE-50FC-D2D7-FE4D-AD9979311F0C}"/>
+                <a16:creationId xmlns:a16="http://schemas.microsoft.com/office/drawing/2014/main" id="{7FC786B2-601D-4493-0564-6E69011CC567}"/>
               </a:ext>
             </a:extLst>
           </p:cNvPr>
@@ -2801,7 +2815,7 @@
           <p:cNvPr id="3" name="Text Placeholder 2">
             <a:extLst>
               <a:ext uri="{FF2B5EF4-FFF2-40B4-BE49-F238E27FC236}">
-                <a16:creationId xmlns:a16="http://schemas.microsoft.com/office/drawing/2014/main" id="{F52A4A0F-7A5B-807E-3092-DF27EBA7FA7F}"/>
+                <a16:creationId xmlns:a16="http://schemas.microsoft.com/office/drawing/2014/main" id="{EBE3DF76-4582-603E-8B24-B0AE8FE7DD83}"/>
               </a:ext>
             </a:extLst>
           </p:cNvPr>
@@ -2868,7 +2882,7 @@
           <p:cNvPr id="4" name="Date Placeholder 3">
             <a:extLst>
               <a:ext uri="{FF2B5EF4-FFF2-40B4-BE49-F238E27FC236}">
-                <a16:creationId xmlns:a16="http://schemas.microsoft.com/office/drawing/2014/main" id="{DC6F80A4-3493-888A-1EFB-C112FF3C4659}"/>
+                <a16:creationId xmlns:a16="http://schemas.microsoft.com/office/drawing/2014/main" id="{061B9742-072A-5DBB-AA60-ECFA2A0096D9}"/>
               </a:ext>
             </a:extLst>
           </p:cNvPr>
@@ -2895,7 +2909,7 @@
               <a:defRPr sz="1200">
                 <a:solidFill>
                   <a:schemeClr val="tx1">
-                    <a:tint val="75000"/>
+                    <a:tint val="82000"/>
                   </a:schemeClr>
                 </a:solidFill>
               </a:defRPr>
@@ -2915,7 +2929,7 @@
           <p:cNvPr id="5" name="Footer Placeholder 4">
             <a:extLst>
               <a:ext uri="{FF2B5EF4-FFF2-40B4-BE49-F238E27FC236}">
-                <a16:creationId xmlns:a16="http://schemas.microsoft.com/office/drawing/2014/main" id="{1B148540-3B5D-D46E-CDEA-184BF19EB2D4}"/>
+                <a16:creationId xmlns:a16="http://schemas.microsoft.com/office/drawing/2014/main" id="{EDE35880-D4CB-72DA-EE76-5320BF75E116}"/>
               </a:ext>
             </a:extLst>
           </p:cNvPr>
@@ -2942,7 +2956,7 @@
               <a:defRPr sz="1200">
                 <a:solidFill>
                   <a:schemeClr val="tx1">
-                    <a:tint val="75000"/>
+                    <a:tint val="82000"/>
                   </a:schemeClr>
                 </a:solidFill>
               </a:defRPr>
@@ -2958,7 +2972,7 @@
           <p:cNvPr id="6" name="Slide Number Placeholder 5">
             <a:extLst>
               <a:ext uri="{FF2B5EF4-FFF2-40B4-BE49-F238E27FC236}">
-                <a16:creationId xmlns:a16="http://schemas.microsoft.com/office/drawing/2014/main" id="{CB7679FF-A9F4-BE0B-7131-3E5DFC13605B}"/>
+                <a16:creationId xmlns:a16="http://schemas.microsoft.com/office/drawing/2014/main" id="{E44E6451-99F5-87A5-D0FF-3D2D04DB40FB}"/>
               </a:ext>
             </a:extLst>
           </p:cNvPr>
@@ -2985,7 +2999,7 @@
               <a:defRPr sz="1200">
                 <a:solidFill>
                   <a:schemeClr val="tx1">
-                    <a:tint val="75000"/>
+                    <a:tint val="82000"/>
                   </a:schemeClr>
                 </a:solidFill>
               </a:defRPr>
@@ -3003,23 +3017,23 @@
     </p:spTree>
     <p:extLst>
       <p:ext uri="{BB962C8B-B14F-4D97-AF65-F5344CB8AC3E}">
-        <p14:creationId xmlns:p14="http://schemas.microsoft.com/office/powerpoint/2010/main" val="831267267"/>
+        <p14:creationId xmlns:p14="http://schemas.microsoft.com/office/powerpoint/2010/main" val="2603675379"/>
       </p:ext>
     </p:extLst>
   </p:cSld>
   <p:clrMap bg1="lt1" tx1="dk1" bg2="lt2" tx2="dk2" accent1="accent1" accent2="accent2" accent3="accent3" accent4="accent4" accent5="accent5" accent6="accent6" hlink="hlink" folHlink="folHlink"/>
   <p:sldLayoutIdLst>
-    <p:sldLayoutId id="2147483649" r:id="rId1"/>
-    <p:sldLayoutId id="2147483650" r:id="rId2"/>
-    <p:sldLayoutId id="2147483651" r:id="rId3"/>
-    <p:sldLayoutId id="2147483652" r:id="rId4"/>
-    <p:sldLayoutId id="2147483653" r:id="rId5"/>
-    <p:sldLayoutId id="2147483654" r:id="rId6"/>
-    <p:sldLayoutId id="2147483655" r:id="rId7"/>
-    <p:sldLayoutId id="2147483656" r:id="rId8"/>
-    <p:sldLayoutId id="2147483657" r:id="rId9"/>
-    <p:sldLayoutId id="2147483658" r:id="rId10"/>
-    <p:sldLayoutId id="2147483659" r:id="rId11"/>
+    <p:sldLayoutId id="2147483661" r:id="rId1"/>
+    <p:sldLayoutId id="2147483662" r:id="rId2"/>
+    <p:sldLayoutId id="2147483663" r:id="rId3"/>
+    <p:sldLayoutId id="2147483664" r:id="rId4"/>
+    <p:sldLayoutId id="2147483665" r:id="rId5"/>
+    <p:sldLayoutId id="2147483666" r:id="rId6"/>
+    <p:sldLayoutId id="2147483667" r:id="rId7"/>
+    <p:sldLayoutId id="2147483668" r:id="rId8"/>
+    <p:sldLayoutId id="2147483669" r:id="rId9"/>
+    <p:sldLayoutId id="2147483670" r:id="rId10"/>
+    <p:sldLayoutId id="2147483671" r:id="rId11"/>
   </p:sldLayoutIdLst>
   <p:txStyles>
     <p:titleStyle>
@@ -3307,6 +3321,14 @@
 <file path=ppt/slides/slide1.xml><?xml version="1.0" encoding="utf-8"?>
 <p:sld xmlns:a="http://schemas.openxmlformats.org/drawingml/2006/main" xmlns:r="http://schemas.openxmlformats.org/officeDocument/2006/relationships" xmlns:p="http://schemas.openxmlformats.org/presentationml/2006/main">
   <p:cSld>
+    <p:bg>
+      <p:bgPr>
+        <a:solidFill>
+          <a:schemeClr val="bg1"/>
+        </a:solidFill>
+        <a:effectLst/>
+      </p:bgPr>
+    </p:bg>
     <p:spTree>
       <p:nvGrpSpPr>
         <p:cNvPr id="1" name=""/>
@@ -3321,6 +3343,182 @@
           <a:chExt cx="0" cy="0"/>
         </a:xfrm>
       </p:grpSpPr>
+      <p:sp useBgFill="1">
+        <p:nvSpPr>
+          <p:cNvPr id="12" name="Rectangle 11">
+            <a:extLst>
+              <a:ext uri="{FF2B5EF4-FFF2-40B4-BE49-F238E27FC236}">
+                <a16:creationId xmlns:a16="http://schemas.microsoft.com/office/drawing/2014/main" id="{0671A8AE-40A1-4631-A6B8-581AFF065482}"/>
+              </a:ext>
+              <a:ext uri="{C183D7F6-B498-43B3-948B-1728B52AA6E4}">
+                <adec:decorative xmlns:adec="http://schemas.microsoft.com/office/drawing/2017/decorative" val="1"/>
+              </a:ext>
+            </a:extLst>
+          </p:cNvPr>
+          <p:cNvSpPr>
+            <a:spLocks noGrp="1" noRot="1" noChangeAspect="1" noMove="1" noResize="1" noEditPoints="1" noAdjustHandles="1" noChangeArrowheads="1" noChangeShapeType="1" noTextEdit="1"/>
+          </p:cNvSpPr>
+          <p:nvPr>
+            <p:extLst>
+              <p:ext uri="{386F3935-93C4-4BCD-93E2-E3B085C9AB24}">
+                <p16:designElem xmlns:p16="http://schemas.microsoft.com/office/powerpoint/2015/main" val="1"/>
+              </p:ext>
+            </p:extLst>
+          </p:nvPr>
+        </p:nvSpPr>
+        <p:spPr>
+          <a:xfrm>
+            <a:off x="0" y="0"/>
+            <a:ext cx="12192000" cy="6858000"/>
+          </a:xfrm>
+          <a:prstGeom prst="rect">
+            <a:avLst/>
+          </a:prstGeom>
+          <a:ln>
+            <a:noFill/>
+          </a:ln>
+        </p:spPr>
+        <p:style>
+          <a:lnRef idx="2">
+            <a:schemeClr val="accent1">
+              <a:shade val="50000"/>
+            </a:schemeClr>
+          </a:lnRef>
+          <a:fillRef idx="1">
+            <a:schemeClr val="accent1"/>
+          </a:fillRef>
+          <a:effectRef idx="0">
+            <a:schemeClr val="accent1"/>
+          </a:effectRef>
+          <a:fontRef idx="minor">
+            <a:schemeClr val="lt1"/>
+          </a:fontRef>
+        </p:style>
+        <p:txBody>
+          <a:bodyPr rtlCol="0" anchor="ctr"/>
+          <a:lstStyle/>
+          <a:p>
+            <a:pPr algn="ctr"/>
+            <a:endParaRPr lang="en-US"/>
+          </a:p>
+        </p:txBody>
+      </p:sp>
+      <p:pic>
+        <p:nvPicPr>
+          <p:cNvPr id="7" name="Picture 6" descr="A blue screen with a cloud and a world map&#10;&#10;Description automatically generated with medium confidence">
+            <a:extLst>
+              <a:ext uri="{FF2B5EF4-FFF2-40B4-BE49-F238E27FC236}">
+                <a16:creationId xmlns:a16="http://schemas.microsoft.com/office/drawing/2014/main" id="{4FE772BA-96CA-9650-6A1E-AA53EF507FBD}"/>
+              </a:ext>
+            </a:extLst>
+          </p:cNvPr>
+          <p:cNvPicPr>
+            <a:picLocks noChangeAspect="1"/>
+          </p:cNvPicPr>
+          <p:nvPr/>
+        </p:nvPicPr>
+        <p:blipFill rotWithShape="1">
+          <a:blip r:embed="rId2">
+            <a:extLst>
+              <a:ext uri="{28A0092B-C50C-407E-A947-70E740481C1C}">
+                <a14:useLocalDpi xmlns:a14="http://schemas.microsoft.com/office/drawing/2010/main" val="0"/>
+              </a:ext>
+            </a:extLst>
+          </a:blip>
+          <a:srcRect l="7394" t="9091" r="28258" b="1"/>
+          <a:stretch/>
+        </p:blipFill>
+        <p:spPr>
+          <a:xfrm>
+            <a:off x="3523485" y="0"/>
+            <a:ext cx="8668512" cy="6857990"/>
+          </a:xfrm>
+          <a:prstGeom prst="rect">
+            <a:avLst/>
+          </a:prstGeom>
+        </p:spPr>
+      </p:pic>
+      <p:sp>
+        <p:nvSpPr>
+          <p:cNvPr id="14" name="Rectangle 13">
+            <a:extLst>
+              <a:ext uri="{FF2B5EF4-FFF2-40B4-BE49-F238E27FC236}">
+                <a16:creationId xmlns:a16="http://schemas.microsoft.com/office/drawing/2014/main" id="{AB58EF07-17C2-48CF-ABB0-EEF1F17CB8F0}"/>
+              </a:ext>
+              <a:ext uri="{C183D7F6-B498-43B3-948B-1728B52AA6E4}">
+                <adec:decorative xmlns:adec="http://schemas.microsoft.com/office/drawing/2017/decorative" val="1"/>
+              </a:ext>
+            </a:extLst>
+          </p:cNvPr>
+          <p:cNvSpPr>
+            <a:spLocks noGrp="1" noRot="1" noChangeAspect="1" noMove="1" noResize="1" noEditPoints="1" noAdjustHandles="1" noChangeArrowheads="1" noChangeShapeType="1" noTextEdit="1"/>
+          </p:cNvSpPr>
+          <p:nvPr>
+            <p:extLst>
+              <p:ext uri="{386F3935-93C4-4BCD-93E2-E3B085C9AB24}">
+                <p16:designElem xmlns:p16="http://schemas.microsoft.com/office/powerpoint/2015/main" val="1"/>
+              </p:ext>
+            </p:extLst>
+          </p:nvPr>
+        </p:nvSpPr>
+        <p:spPr>
+          <a:xfrm>
+            <a:off x="3" y="0"/>
+            <a:ext cx="9339206" cy="6858000"/>
+          </a:xfrm>
+          <a:prstGeom prst="rect">
+            <a:avLst/>
+          </a:prstGeom>
+          <a:gradFill>
+            <a:gsLst>
+              <a:gs pos="58000">
+                <a:schemeClr val="tx1"/>
+              </a:gs>
+              <a:gs pos="33000">
+                <a:schemeClr val="tx1">
+                  <a:alpha val="64000"/>
+                </a:schemeClr>
+              </a:gs>
+              <a:gs pos="0">
+                <a:schemeClr val="tx1">
+                  <a:alpha val="0"/>
+                </a:schemeClr>
+              </a:gs>
+              <a:gs pos="100000">
+                <a:schemeClr val="tx1"/>
+              </a:gs>
+            </a:gsLst>
+            <a:lin ang="10800000" scaled="0"/>
+          </a:gradFill>
+          <a:ln>
+            <a:noFill/>
+          </a:ln>
+        </p:spPr>
+        <p:style>
+          <a:lnRef idx="2">
+            <a:schemeClr val="accent1">
+              <a:shade val="50000"/>
+            </a:schemeClr>
+          </a:lnRef>
+          <a:fillRef idx="1">
+            <a:schemeClr val="accent1"/>
+          </a:fillRef>
+          <a:effectRef idx="0">
+            <a:schemeClr val="accent1"/>
+          </a:effectRef>
+          <a:fontRef idx="minor">
+            <a:schemeClr val="lt1"/>
+          </a:fontRef>
+        </p:style>
+        <p:txBody>
+          <a:bodyPr rtlCol="0" anchor="ctr"/>
+          <a:lstStyle/>
+          <a:p>
+            <a:pPr algn="ctr"/>
+            <a:endParaRPr lang="en-US" dirty="0"/>
+          </a:p>
+        </p:txBody>
+      </p:sp>
       <p:sp>
         <p:nvSpPr>
           <p:cNvPr id="2" name="Title 1">
@@ -3337,14 +3535,26 @@
             <p:ph type="ctrTitle"/>
           </p:nvPr>
         </p:nvSpPr>
-        <p:spPr/>
-        <p:txBody>
-          <a:bodyPr/>
-          <a:lstStyle/>
-          <a:p>
-            <a:r>
-              <a:rPr lang="en-US"/>
-              <a:t> Cloud Risk Management Analytics</a:t>
+        <p:spPr>
+          <a:xfrm>
+            <a:off x="1047929" y="2311080"/>
+            <a:ext cx="4023359" cy="2388866"/>
+          </a:xfrm>
+        </p:spPr>
+        <p:txBody>
+          <a:bodyPr anchor="b">
+            <a:normAutofit/>
+          </a:bodyPr>
+          <a:lstStyle/>
+          <a:p>
+            <a:pPr algn="l"/>
+            <a:r>
+              <a:rPr lang="en-US" sz="5400" dirty="0">
+                <a:solidFill>
+                  <a:schemeClr val="bg1"/>
+                </a:solidFill>
+              </a:rPr>
+              <a:t>Cloud Risk Management Analytics</a:t>
             </a:r>
           </a:p>
         </p:txBody>
@@ -3365,12 +3575,185 @@
             <p:ph type="subTitle" idx="1"/>
           </p:nvPr>
         </p:nvSpPr>
-        <p:spPr/>
-        <p:txBody>
-          <a:bodyPr/>
-          <a:lstStyle/>
-          <a:p>
-            <a:endParaRPr lang="en-US"/>
+        <p:spPr>
+          <a:xfrm>
+            <a:off x="4828308" y="625683"/>
+            <a:ext cx="4023359" cy="1208141"/>
+          </a:xfrm>
+        </p:spPr>
+        <p:txBody>
+          <a:bodyPr>
+            <a:normAutofit/>
+          </a:bodyPr>
+          <a:lstStyle/>
+          <a:p>
+            <a:pPr algn="l"/>
+            <a:endParaRPr lang="en-US" sz="2000" dirty="0">
+              <a:solidFill>
+                <a:schemeClr val="bg1"/>
+              </a:solidFill>
+            </a:endParaRPr>
+          </a:p>
+        </p:txBody>
+      </p:sp>
+      <p:sp>
+        <p:nvSpPr>
+          <p:cNvPr id="16" name="Rectangle 15">
+            <a:extLst>
+              <a:ext uri="{FF2B5EF4-FFF2-40B4-BE49-F238E27FC236}">
+                <a16:creationId xmlns:a16="http://schemas.microsoft.com/office/drawing/2014/main" id="{AF2F604E-43BE-4DC3-B983-E071523364F8}"/>
+              </a:ext>
+              <a:ext uri="{C183D7F6-B498-43B3-948B-1728B52AA6E4}">
+                <adec:decorative xmlns:adec="http://schemas.microsoft.com/office/drawing/2017/decorative" val="1"/>
+              </a:ext>
+            </a:extLst>
+          </p:cNvPr>
+          <p:cNvSpPr>
+            <a:spLocks noGrp="1" noRot="1" noChangeAspect="1" noMove="1" noResize="1" noEditPoints="1" noAdjustHandles="1" noChangeArrowheads="1" noChangeShapeType="1" noTextEdit="1"/>
+          </p:cNvSpPr>
+          <p:nvPr>
+            <p:extLst>
+              <p:ext uri="{386F3935-93C4-4BCD-93E2-E3B085C9AB24}">
+                <p16:designElem xmlns:p16="http://schemas.microsoft.com/office/powerpoint/2015/main" val="1"/>
+              </p:ext>
+            </p:extLst>
+          </p:nvPr>
+        </p:nvSpPr>
+        <p:spPr>
+          <a:xfrm rot="5400000">
+            <a:off x="759921" y="346791"/>
+            <a:ext cx="146304" cy="704088"/>
+          </a:xfrm>
+          <a:prstGeom prst="rect">
+            <a:avLst/>
+          </a:prstGeom>
+          <a:solidFill>
+            <a:schemeClr val="accent2"/>
+          </a:solidFill>
+          <a:ln>
+            <a:noFill/>
+          </a:ln>
+        </p:spPr>
+        <p:style>
+          <a:lnRef idx="2">
+            <a:schemeClr val="accent1">
+              <a:shade val="50000"/>
+            </a:schemeClr>
+          </a:lnRef>
+          <a:fillRef idx="1">
+            <a:schemeClr val="accent1"/>
+          </a:fillRef>
+          <a:effectRef idx="0">
+            <a:schemeClr val="accent1"/>
+          </a:effectRef>
+          <a:fontRef idx="minor">
+            <a:schemeClr val="lt1"/>
+          </a:fontRef>
+        </p:style>
+        <p:txBody>
+          <a:bodyPr rtlCol="0" anchor="ctr"/>
+          <a:lstStyle/>
+          <a:p>
+            <a:pPr algn="ctr"/>
+            <a:endParaRPr lang="en-US">
+              <a:solidFill>
+                <a:prstClr val="white"/>
+              </a:solidFill>
+              <a:latin typeface="Calibri" panose="020F0502020204030204"/>
+            </a:endParaRPr>
+          </a:p>
+        </p:txBody>
+      </p:sp>
+      <p:sp>
+        <p:nvSpPr>
+          <p:cNvPr id="18" name="Rectangle 17">
+            <a:extLst>
+              <a:ext uri="{FF2B5EF4-FFF2-40B4-BE49-F238E27FC236}">
+                <a16:creationId xmlns:a16="http://schemas.microsoft.com/office/drawing/2014/main" id="{08C9B587-E65E-4B52-B37C-ABEBB6E87928}"/>
+              </a:ext>
+              <a:ext uri="{C183D7F6-B498-43B3-948B-1728B52AA6E4}">
+                <adec:decorative xmlns:adec="http://schemas.microsoft.com/office/drawing/2017/decorative" val="1"/>
+              </a:ext>
+            </a:extLst>
+          </p:cNvPr>
+          <p:cNvSpPr>
+            <a:spLocks noGrp="1" noRot="1" noChangeAspect="1" noMove="1" noResize="1" noEditPoints="1" noAdjustHandles="1" noChangeArrowheads="1" noChangeShapeType="1" noTextEdit="1"/>
+          </p:cNvSpPr>
+          <p:nvPr>
+            <p:extLst>
+              <p:ext uri="{386F3935-93C4-4BCD-93E2-E3B085C9AB24}">
+                <p16:designElem xmlns:p16="http://schemas.microsoft.com/office/powerpoint/2015/main" val="1"/>
+              </p:ext>
+            </p:extLst>
+          </p:nvPr>
+        </p:nvSpPr>
+        <p:spPr>
+          <a:xfrm>
+            <a:off x="481029" y="4546920"/>
+            <a:ext cx="3977640" cy="18288"/>
+          </a:xfrm>
+          <a:prstGeom prst="rect">
+            <a:avLst/>
+          </a:prstGeom>
+          <a:solidFill>
+            <a:schemeClr val="tx1"/>
+          </a:solidFill>
+          <a:ln w="3175">
+            <a:noFill/>
+          </a:ln>
+          <a:effectLst/>
+        </p:spPr>
+        <p:style>
+          <a:lnRef idx="2">
+            <a:schemeClr val="accent1">
+              <a:shade val="50000"/>
+            </a:schemeClr>
+          </a:lnRef>
+          <a:fillRef idx="1">
+            <a:schemeClr val="accent1"/>
+          </a:fillRef>
+          <a:effectRef idx="0">
+            <a:schemeClr val="accent1"/>
+          </a:effectRef>
+          <a:fontRef idx="minor">
+            <a:schemeClr val="lt1"/>
+          </a:fontRef>
+        </p:style>
+        <p:txBody>
+          <a:bodyPr rtlCol="0" anchor="ctr"/>
+          <a:lstStyle/>
+          <a:p>
+            <a:pPr marL="0" marR="0" lvl="0" indent="0" algn="ctr" defTabSz="914400" rtl="0" eaLnBrk="1" fontAlgn="auto" latinLnBrk="0" hangingPunct="1">
+              <a:lnSpc>
+                <a:spcPct val="100000"/>
+              </a:lnSpc>
+              <a:spcBef>
+                <a:spcPts val="0"/>
+              </a:spcBef>
+              <a:spcAft>
+                <a:spcPts val="0"/>
+              </a:spcAft>
+              <a:buClrTx/>
+              <a:buSzTx/>
+              <a:buFontTx/>
+              <a:buNone/>
+              <a:tabLst/>
+              <a:defRPr/>
+            </a:pPr>
+            <a:endParaRPr kumimoji="0" lang="en-US" sz="1800" b="0" i="0" u="none" strike="noStrike" kern="1200" cap="none" spc="0" normalizeH="0" baseline="0" noProof="0">
+              <a:ln>
+                <a:noFill/>
+              </a:ln>
+              <a:solidFill>
+                <a:prstClr val="white"/>
+              </a:solidFill>
+              <a:effectLst/>
+              <a:uLnTx/>
+              <a:uFillTx/>
+              <a:latin typeface="Calibri" panose="020F0502020204030204"/>
+              <a:ea typeface="+mn-ea"/>
+              <a:cs typeface="+mn-cs"/>
+            </a:endParaRPr>
           </a:p>
         </p:txBody>
       </p:sp>
@@ -3383,6 +3766,2551 @@
   </p:cSld>
   <p:clrMapOvr>
     <a:masterClrMapping/>
+  </p:clrMapOvr>
+  <p:timing>
+    <p:tnLst>
+      <p:par>
+        <p:cTn id="1" dur="indefinite" restart="never" nodeType="tmRoot">
+          <p:childTnLst>
+            <p:seq concurrent="1" nextAc="seek">
+              <p:cTn id="2" dur="indefinite" nodeType="mainSeq">
+                <p:childTnLst>
+                  <p:par>
+                    <p:cTn id="3" fill="hold">
+                      <p:stCondLst>
+                        <p:cond delay="indefinite"/>
+                        <p:cond evt="onBegin" delay="0">
+                          <p:tn val="2"/>
+                        </p:cond>
+                      </p:stCondLst>
+                      <p:childTnLst>
+                        <p:par>
+                          <p:cTn id="4" fill="hold">
+                            <p:stCondLst>
+                              <p:cond delay="0"/>
+                            </p:stCondLst>
+                            <p:childTnLst>
+                              <p:par>
+                                <p:cTn id="5" presetID="10" presetClass="entr" presetSubtype="0" fill="hold" grpId="0" nodeType="withEffect">
+                                  <p:stCondLst>
+                                    <p:cond delay="1000"/>
+                                  </p:stCondLst>
+                                  <p:iterate type="lt">
+                                    <p:tmPct val="10000"/>
+                                  </p:iterate>
+                                  <p:childTnLst>
+                                    <p:set>
+                                      <p:cBhvr>
+                                        <p:cTn id="6" dur="1" fill="hold">
+                                          <p:stCondLst>
+                                            <p:cond delay="0"/>
+                                          </p:stCondLst>
+                                        </p:cTn>
+                                        <p:tgtEl>
+                                          <p:spTgt spid="2"/>
+                                        </p:tgtEl>
+                                        <p:attrNameLst>
+                                          <p:attrName>style.visibility</p:attrName>
+                                        </p:attrNameLst>
+                                      </p:cBhvr>
+                                      <p:to>
+                                        <p:strVal val="visible"/>
+                                      </p:to>
+                                    </p:set>
+                                    <p:animEffect transition="in" filter="fade">
+                                      <p:cBhvr>
+                                        <p:cTn id="7" dur="400"/>
+                                        <p:tgtEl>
+                                          <p:spTgt spid="2"/>
+                                        </p:tgtEl>
+                                      </p:cBhvr>
+                                    </p:animEffect>
+                                  </p:childTnLst>
+                                </p:cTn>
+                              </p:par>
+                            </p:childTnLst>
+                          </p:cTn>
+                        </p:par>
+                      </p:childTnLst>
+                    </p:cTn>
+                  </p:par>
+                </p:childTnLst>
+              </p:cTn>
+              <p:prevCondLst>
+                <p:cond evt="onPrev" delay="0">
+                  <p:tgtEl>
+                    <p:sldTgt/>
+                  </p:tgtEl>
+                </p:cond>
+              </p:prevCondLst>
+              <p:nextCondLst>
+                <p:cond evt="onNext" delay="0">
+                  <p:tgtEl>
+                    <p:sldTgt/>
+                  </p:tgtEl>
+                </p:cond>
+              </p:nextCondLst>
+            </p:seq>
+          </p:childTnLst>
+        </p:cTn>
+      </p:par>
+    </p:tnLst>
+    <p:bldLst>
+      <p:bldP spid="2" grpId="0"/>
+    </p:bldLst>
+  </p:timing>
+</p:sld>
+</file>
+
+<file path=ppt/slides/slide10.xml><?xml version="1.0" encoding="utf-8"?>
+<p:sld xmlns:a="http://schemas.openxmlformats.org/drawingml/2006/main" xmlns:r="http://schemas.openxmlformats.org/officeDocument/2006/relationships" xmlns:p="http://schemas.openxmlformats.org/presentationml/2006/main">
+  <p:cSld>
+    <p:bg>
+      <p:bgPr>
+        <a:solidFill>
+          <a:schemeClr val="bg1"/>
+        </a:solidFill>
+        <a:effectLst/>
+      </p:bgPr>
+    </p:bg>
+    <p:spTree>
+      <p:nvGrpSpPr>
+        <p:cNvPr id="1" name=""/>
+        <p:cNvGrpSpPr/>
+        <p:nvPr/>
+      </p:nvGrpSpPr>
+      <p:grpSpPr>
+        <a:xfrm>
+          <a:off x="0" y="0"/>
+          <a:ext cx="0" cy="0"/>
+          <a:chOff x="0" y="0"/>
+          <a:chExt cx="0" cy="0"/>
+        </a:xfrm>
+      </p:grpSpPr>
+      <p:sp>
+        <p:nvSpPr>
+          <p:cNvPr id="19" name="Rectangle 18">
+            <a:extLst>
+              <a:ext uri="{FF2B5EF4-FFF2-40B4-BE49-F238E27FC236}">
+                <a16:creationId xmlns:a16="http://schemas.microsoft.com/office/drawing/2014/main" id="{9228552E-C8B1-4A80-8448-0787CE0FC704}"/>
+              </a:ext>
+              <a:ext uri="{C183D7F6-B498-43B3-948B-1728B52AA6E4}">
+                <adec:decorative xmlns:adec="http://schemas.microsoft.com/office/drawing/2017/decorative" val="1"/>
+              </a:ext>
+            </a:extLst>
+          </p:cNvPr>
+          <p:cNvSpPr>
+            <a:spLocks noGrp="1" noRot="1" noChangeAspect="1" noMove="1" noResize="1" noEditPoints="1" noAdjustHandles="1" noChangeArrowheads="1" noChangeShapeType="1" noTextEdit="1"/>
+          </p:cNvSpPr>
+          <p:nvPr>
+            <p:extLst>
+              <p:ext uri="{386F3935-93C4-4BCD-93E2-E3B085C9AB24}">
+                <p16:designElem xmlns:p16="http://schemas.microsoft.com/office/powerpoint/2015/main" val="1"/>
+              </p:ext>
+            </p:extLst>
+          </p:nvPr>
+        </p:nvSpPr>
+        <p:spPr>
+          <a:xfrm>
+            <a:off x="0" y="0"/>
+            <a:ext cx="12192000" cy="6858000"/>
+          </a:xfrm>
+          <a:prstGeom prst="rect">
+            <a:avLst/>
+          </a:prstGeom>
+          <a:solidFill>
+            <a:srgbClr val="000000"/>
+          </a:solidFill>
+          <a:ln>
+            <a:noFill/>
+          </a:ln>
+        </p:spPr>
+        <p:style>
+          <a:lnRef idx="2">
+            <a:schemeClr val="accent1">
+              <a:shade val="50000"/>
+            </a:schemeClr>
+          </a:lnRef>
+          <a:fillRef idx="1">
+            <a:schemeClr val="accent1"/>
+          </a:fillRef>
+          <a:effectRef idx="0">
+            <a:schemeClr val="accent1"/>
+          </a:effectRef>
+          <a:fontRef idx="minor">
+            <a:schemeClr val="lt1"/>
+          </a:fontRef>
+        </p:style>
+        <p:txBody>
+          <a:bodyPr rtlCol="0" anchor="ctr"/>
+          <a:lstStyle/>
+          <a:p>
+            <a:pPr algn="ctr"/>
+            <a:endParaRPr lang="en-US"/>
+          </a:p>
+        </p:txBody>
+      </p:sp>
+      <p:pic>
+        <p:nvPicPr>
+          <p:cNvPr id="5" name="Picture 4">
+            <a:extLst>
+              <a:ext uri="{FF2B5EF4-FFF2-40B4-BE49-F238E27FC236}">
+                <a16:creationId xmlns:a16="http://schemas.microsoft.com/office/drawing/2014/main" id="{B1ACB9AB-663D-8EA8-76C9-6C6546205FD5}"/>
+              </a:ext>
+            </a:extLst>
+          </p:cNvPr>
+          <p:cNvPicPr>
+            <a:picLocks noChangeAspect="1"/>
+          </p:cNvPicPr>
+          <p:nvPr/>
+        </p:nvPicPr>
+        <p:blipFill rotWithShape="1">
+          <a:blip r:embed="rId2">
+            <a:alphaModFix amt="35000"/>
+          </a:blip>
+          <a:srcRect r="444"/>
+          <a:stretch/>
+        </p:blipFill>
+        <p:spPr>
+          <a:xfrm>
+            <a:off x="20" y="10"/>
+            <a:ext cx="12191979" cy="6857990"/>
+          </a:xfrm>
+          <a:prstGeom prst="rect">
+            <a:avLst/>
+          </a:prstGeom>
+        </p:spPr>
+      </p:pic>
+      <p:sp>
+        <p:nvSpPr>
+          <p:cNvPr id="2" name="Title 1">
+            <a:extLst>
+              <a:ext uri="{FF2B5EF4-FFF2-40B4-BE49-F238E27FC236}">
+                <a16:creationId xmlns:a16="http://schemas.microsoft.com/office/drawing/2014/main" id="{92C6F71E-5D3D-5069-A1DB-69CAFA484A7B}"/>
+              </a:ext>
+            </a:extLst>
+          </p:cNvPr>
+          <p:cNvSpPr>
+            <a:spLocks noGrp="1"/>
+          </p:cNvSpPr>
+          <p:nvPr>
+            <p:ph type="title"/>
+          </p:nvPr>
+        </p:nvSpPr>
+        <p:spPr>
+          <a:xfrm>
+            <a:off x="838200" y="365125"/>
+            <a:ext cx="10515600" cy="1325563"/>
+          </a:xfrm>
+        </p:spPr>
+        <p:txBody>
+          <a:bodyPr>
+            <a:normAutofit/>
+          </a:bodyPr>
+          <a:lstStyle/>
+          <a:p>
+            <a:r>
+              <a:rPr lang="en-US" b="0" i="0">
+                <a:solidFill>
+                  <a:srgbClr val="FFFFFF"/>
+                </a:solidFill>
+                <a:effectLst/>
+                <a:latin typeface="Söhne"/>
+              </a:rPr>
+              <a:t>Conclusion</a:t>
+            </a:r>
+            <a:endParaRPr lang="en-US">
+              <a:solidFill>
+                <a:srgbClr val="FFFFFF"/>
+              </a:solidFill>
+            </a:endParaRPr>
+          </a:p>
+        </p:txBody>
+      </p:sp>
+      <p:sp>
+        <p:nvSpPr>
+          <p:cNvPr id="3" name="Content Placeholder 2">
+            <a:extLst>
+              <a:ext uri="{FF2B5EF4-FFF2-40B4-BE49-F238E27FC236}">
+                <a16:creationId xmlns:a16="http://schemas.microsoft.com/office/drawing/2014/main" id="{9507810B-8C65-4C91-5243-E526EF64D240}"/>
+              </a:ext>
+            </a:extLst>
+          </p:cNvPr>
+          <p:cNvSpPr>
+            <a:spLocks noGrp="1"/>
+          </p:cNvSpPr>
+          <p:nvPr>
+            <p:ph idx="1"/>
+          </p:nvPr>
+        </p:nvSpPr>
+        <p:spPr>
+          <a:xfrm>
+            <a:off x="838200" y="1825625"/>
+            <a:ext cx="10515600" cy="4351338"/>
+          </a:xfrm>
+        </p:spPr>
+        <p:txBody>
+          <a:bodyPr>
+            <a:normAutofit/>
+          </a:bodyPr>
+          <a:lstStyle/>
+          <a:p>
+            <a:pPr>
+              <a:buFont typeface="Arial" panose="020B0604020202020204" pitchFamily="34" charset="0"/>
+              <a:buChar char="•"/>
+            </a:pPr>
+            <a:r>
+              <a:rPr lang="en-US" b="0" i="0">
+                <a:solidFill>
+                  <a:srgbClr val="FFFFFF"/>
+                </a:solidFill>
+                <a:effectLst/>
+                <a:latin typeface="Söhne"/>
+              </a:rPr>
+              <a:t>Successful development of a robust risk reporting framework.</a:t>
+            </a:r>
+          </a:p>
+          <a:p>
+            <a:pPr>
+              <a:buFont typeface="Arial" panose="020B0604020202020204" pitchFamily="34" charset="0"/>
+              <a:buChar char="•"/>
+            </a:pPr>
+            <a:r>
+              <a:rPr lang="en-US" b="0" i="0">
+                <a:solidFill>
+                  <a:srgbClr val="FFFFFF"/>
+                </a:solidFill>
+                <a:effectLst/>
+                <a:latin typeface="Söhne"/>
+              </a:rPr>
+              <a:t>Improved risk management in the cloud environment.</a:t>
+            </a:r>
+          </a:p>
+          <a:p>
+            <a:pPr>
+              <a:buFont typeface="Arial" panose="020B0604020202020204" pitchFamily="34" charset="0"/>
+              <a:buChar char="•"/>
+            </a:pPr>
+            <a:r>
+              <a:rPr lang="en-US" b="0" i="0">
+                <a:solidFill>
+                  <a:srgbClr val="FFFFFF"/>
+                </a:solidFill>
+                <a:effectLst/>
+                <a:latin typeface="Söhne"/>
+              </a:rPr>
+              <a:t>Continuous efforts needed for ongoing enhancement and optimization.</a:t>
+            </a:r>
+          </a:p>
+          <a:p>
+            <a:endParaRPr lang="en-US">
+              <a:solidFill>
+                <a:srgbClr val="FFFFFF"/>
+              </a:solidFill>
+            </a:endParaRPr>
+          </a:p>
+        </p:txBody>
+      </p:sp>
+    </p:spTree>
+    <p:extLst>
+      <p:ext uri="{BB962C8B-B14F-4D97-AF65-F5344CB8AC3E}">
+        <p14:creationId xmlns:p14="http://schemas.microsoft.com/office/powerpoint/2010/main" val="455207822"/>
+      </p:ext>
+    </p:extLst>
+  </p:cSld>
+  <p:clrMapOvr>
+    <a:overrideClrMapping bg1="dk1" tx1="lt1" bg2="dk2" tx2="lt2" accent1="accent1" accent2="accent2" accent3="accent3" accent4="accent4" accent5="accent5" accent6="accent6" hlink="hlink" folHlink="folHlink"/>
+  </p:clrMapOvr>
+</p:sld>
+</file>
+
+<file path=ppt/slides/slide2.xml><?xml version="1.0" encoding="utf-8"?>
+<p:sld xmlns:a="http://schemas.openxmlformats.org/drawingml/2006/main" xmlns:r="http://schemas.openxmlformats.org/officeDocument/2006/relationships" xmlns:p="http://schemas.openxmlformats.org/presentationml/2006/main">
+  <p:cSld>
+    <p:bg>
+      <p:bgPr>
+        <a:solidFill>
+          <a:schemeClr val="bg1"/>
+        </a:solidFill>
+        <a:effectLst/>
+      </p:bgPr>
+    </p:bg>
+    <p:spTree>
+      <p:nvGrpSpPr>
+        <p:cNvPr id="1" name=""/>
+        <p:cNvGrpSpPr/>
+        <p:nvPr/>
+      </p:nvGrpSpPr>
+      <p:grpSpPr>
+        <a:xfrm>
+          <a:off x="0" y="0"/>
+          <a:ext cx="0" cy="0"/>
+          <a:chOff x="0" y="0"/>
+          <a:chExt cx="0" cy="0"/>
+        </a:xfrm>
+      </p:grpSpPr>
+      <p:sp>
+        <p:nvSpPr>
+          <p:cNvPr id="33" name="Rectangle 32">
+            <a:extLst>
+              <a:ext uri="{FF2B5EF4-FFF2-40B4-BE49-F238E27FC236}">
+                <a16:creationId xmlns:a16="http://schemas.microsoft.com/office/drawing/2014/main" id="{9228552E-C8B1-4A80-8448-0787CE0FC704}"/>
+              </a:ext>
+              <a:ext uri="{C183D7F6-B498-43B3-948B-1728B52AA6E4}">
+                <adec:decorative xmlns:adec="http://schemas.microsoft.com/office/drawing/2017/decorative" val="1"/>
+              </a:ext>
+            </a:extLst>
+          </p:cNvPr>
+          <p:cNvSpPr>
+            <a:spLocks noGrp="1" noRot="1" noChangeAspect="1" noMove="1" noResize="1" noEditPoints="1" noAdjustHandles="1" noChangeArrowheads="1" noChangeShapeType="1" noTextEdit="1"/>
+          </p:cNvSpPr>
+          <p:nvPr>
+            <p:extLst>
+              <p:ext uri="{386F3935-93C4-4BCD-93E2-E3B085C9AB24}">
+                <p16:designElem xmlns:p16="http://schemas.microsoft.com/office/powerpoint/2015/main" val="1"/>
+              </p:ext>
+            </p:extLst>
+          </p:nvPr>
+        </p:nvSpPr>
+        <p:spPr>
+          <a:xfrm>
+            <a:off x="0" y="0"/>
+            <a:ext cx="12192000" cy="6858000"/>
+          </a:xfrm>
+          <a:prstGeom prst="rect">
+            <a:avLst/>
+          </a:prstGeom>
+          <a:solidFill>
+            <a:srgbClr val="000000"/>
+          </a:solidFill>
+          <a:ln>
+            <a:noFill/>
+          </a:ln>
+        </p:spPr>
+        <p:style>
+          <a:lnRef idx="2">
+            <a:schemeClr val="accent1">
+              <a:shade val="50000"/>
+            </a:schemeClr>
+          </a:lnRef>
+          <a:fillRef idx="1">
+            <a:schemeClr val="accent1"/>
+          </a:fillRef>
+          <a:effectRef idx="0">
+            <a:schemeClr val="accent1"/>
+          </a:effectRef>
+          <a:fontRef idx="minor">
+            <a:schemeClr val="lt1"/>
+          </a:fontRef>
+        </p:style>
+        <p:txBody>
+          <a:bodyPr rtlCol="0" anchor="ctr"/>
+          <a:lstStyle/>
+          <a:p>
+            <a:pPr algn="ctr"/>
+            <a:endParaRPr lang="en-US"/>
+          </a:p>
+        </p:txBody>
+      </p:sp>
+      <p:pic>
+        <p:nvPicPr>
+          <p:cNvPr id="5" name="Picture 4">
+            <a:extLst>
+              <a:ext uri="{FF2B5EF4-FFF2-40B4-BE49-F238E27FC236}">
+                <a16:creationId xmlns:a16="http://schemas.microsoft.com/office/drawing/2014/main" id="{043EB192-1D62-9BB7-6910-09D96DC9DAC0}"/>
+              </a:ext>
+            </a:extLst>
+          </p:cNvPr>
+          <p:cNvPicPr>
+            <a:picLocks noChangeAspect="1"/>
+          </p:cNvPicPr>
+          <p:nvPr/>
+        </p:nvPicPr>
+        <p:blipFill rotWithShape="1">
+          <a:blip r:embed="rId2">
+            <a:alphaModFix amt="35000"/>
+          </a:blip>
+          <a:srcRect r="444"/>
+          <a:stretch/>
+        </p:blipFill>
+        <p:spPr>
+          <a:xfrm>
+            <a:off x="20" y="10"/>
+            <a:ext cx="12191979" cy="6857990"/>
+          </a:xfrm>
+          <a:prstGeom prst="rect">
+            <a:avLst/>
+          </a:prstGeom>
+        </p:spPr>
+      </p:pic>
+      <p:sp>
+        <p:nvSpPr>
+          <p:cNvPr id="2" name="Title 1">
+            <a:extLst>
+              <a:ext uri="{FF2B5EF4-FFF2-40B4-BE49-F238E27FC236}">
+                <a16:creationId xmlns:a16="http://schemas.microsoft.com/office/drawing/2014/main" id="{40CA7945-0E8D-3B2D-E66C-8E644C0174E3}"/>
+              </a:ext>
+            </a:extLst>
+          </p:cNvPr>
+          <p:cNvSpPr>
+            <a:spLocks noGrp="1"/>
+          </p:cNvSpPr>
+          <p:nvPr>
+            <p:ph type="title"/>
+          </p:nvPr>
+        </p:nvSpPr>
+        <p:spPr>
+          <a:xfrm>
+            <a:off x="838200" y="365125"/>
+            <a:ext cx="10515600" cy="1325563"/>
+          </a:xfrm>
+        </p:spPr>
+        <p:txBody>
+          <a:bodyPr>
+            <a:normAutofit/>
+          </a:bodyPr>
+          <a:lstStyle/>
+          <a:p>
+            <a:r>
+              <a:rPr lang="en-US" b="0" i="0">
+                <a:solidFill>
+                  <a:srgbClr val="FFFFFF"/>
+                </a:solidFill>
+                <a:effectLst/>
+                <a:latin typeface="Söhne"/>
+              </a:rPr>
+              <a:t>Project Overview</a:t>
+            </a:r>
+            <a:endParaRPr lang="en-US">
+              <a:solidFill>
+                <a:srgbClr val="FFFFFF"/>
+              </a:solidFill>
+            </a:endParaRPr>
+          </a:p>
+        </p:txBody>
+      </p:sp>
+      <p:sp>
+        <p:nvSpPr>
+          <p:cNvPr id="3" name="Content Placeholder 2">
+            <a:extLst>
+              <a:ext uri="{FF2B5EF4-FFF2-40B4-BE49-F238E27FC236}">
+                <a16:creationId xmlns:a16="http://schemas.microsoft.com/office/drawing/2014/main" id="{B195EEF8-1B75-2D2A-56D1-9B3071FECED2}"/>
+              </a:ext>
+            </a:extLst>
+          </p:cNvPr>
+          <p:cNvSpPr>
+            <a:spLocks noGrp="1"/>
+          </p:cNvSpPr>
+          <p:nvPr>
+            <p:ph idx="1"/>
+          </p:nvPr>
+        </p:nvSpPr>
+        <p:spPr>
+          <a:xfrm>
+            <a:off x="838200" y="1825625"/>
+            <a:ext cx="10515600" cy="4351338"/>
+          </a:xfrm>
+        </p:spPr>
+        <p:txBody>
+          <a:bodyPr>
+            <a:normAutofit/>
+          </a:bodyPr>
+          <a:lstStyle/>
+          <a:p>
+            <a:pPr>
+              <a:buFont typeface="Arial" panose="020B0604020202020204" pitchFamily="34" charset="0"/>
+              <a:buChar char="•"/>
+            </a:pPr>
+            <a:r>
+              <a:rPr lang="en-US" b="0" i="0">
+                <a:solidFill>
+                  <a:srgbClr val="FFFFFF"/>
+                </a:solidFill>
+                <a:effectLst/>
+                <a:latin typeface="Söhne"/>
+              </a:rPr>
+              <a:t>Objective: Develop a robust risk reporting framework for a cloud-managed services platform.</a:t>
+            </a:r>
+          </a:p>
+          <a:p>
+            <a:pPr>
+              <a:buFont typeface="Arial" panose="020B0604020202020204" pitchFamily="34" charset="0"/>
+              <a:buChar char="•"/>
+            </a:pPr>
+            <a:r>
+              <a:rPr lang="en-US" b="0" i="0">
+                <a:solidFill>
+                  <a:srgbClr val="FFFFFF"/>
+                </a:solidFill>
+                <a:effectLst/>
+                <a:latin typeface="Söhne"/>
+              </a:rPr>
+              <a:t>Scope: Analyze data from cloud-native services and third-party tools to assess incremental risks.</a:t>
+            </a:r>
+          </a:p>
+          <a:p>
+            <a:pPr>
+              <a:buFont typeface="Arial" panose="020B0604020202020204" pitchFamily="34" charset="0"/>
+              <a:buChar char="•"/>
+            </a:pPr>
+            <a:r>
+              <a:rPr lang="en-US" b="0" i="0">
+                <a:solidFill>
+                  <a:srgbClr val="FFFFFF"/>
+                </a:solidFill>
+                <a:effectLst/>
+                <a:latin typeface="Söhne"/>
+              </a:rPr>
+              <a:t>Importance: Enhance risk management capabilities in the cloud environment.</a:t>
+            </a:r>
+          </a:p>
+          <a:p>
+            <a:endParaRPr lang="en-US">
+              <a:solidFill>
+                <a:srgbClr val="FFFFFF"/>
+              </a:solidFill>
+            </a:endParaRPr>
+          </a:p>
+        </p:txBody>
+      </p:sp>
+    </p:spTree>
+    <p:extLst>
+      <p:ext uri="{BB962C8B-B14F-4D97-AF65-F5344CB8AC3E}">
+        <p14:creationId xmlns:p14="http://schemas.microsoft.com/office/powerpoint/2010/main" val="409143560"/>
+      </p:ext>
+    </p:extLst>
+  </p:cSld>
+  <p:clrMapOvr>
+    <a:overrideClrMapping bg1="dk1" tx1="lt1" bg2="dk2" tx2="lt2" accent1="accent1" accent2="accent2" accent3="accent3" accent4="accent4" accent5="accent5" accent6="accent6" hlink="hlink" folHlink="folHlink"/>
+  </p:clrMapOvr>
+</p:sld>
+</file>
+
+<file path=ppt/slides/slide3.xml><?xml version="1.0" encoding="utf-8"?>
+<p:sld xmlns:a="http://schemas.openxmlformats.org/drawingml/2006/main" xmlns:r="http://schemas.openxmlformats.org/officeDocument/2006/relationships" xmlns:p="http://schemas.openxmlformats.org/presentationml/2006/main">
+  <p:cSld>
+    <p:bg>
+      <p:bgPr>
+        <a:solidFill>
+          <a:schemeClr val="bg1"/>
+        </a:solidFill>
+        <a:effectLst/>
+      </p:bgPr>
+    </p:bg>
+    <p:spTree>
+      <p:nvGrpSpPr>
+        <p:cNvPr id="1" name=""/>
+        <p:cNvGrpSpPr/>
+        <p:nvPr/>
+      </p:nvGrpSpPr>
+      <p:grpSpPr>
+        <a:xfrm>
+          <a:off x="0" y="0"/>
+          <a:ext cx="0" cy="0"/>
+          <a:chOff x="0" y="0"/>
+          <a:chExt cx="0" cy="0"/>
+        </a:xfrm>
+      </p:grpSpPr>
+      <p:sp>
+        <p:nvSpPr>
+          <p:cNvPr id="24" name="Rectangle 23">
+            <a:extLst>
+              <a:ext uri="{FF2B5EF4-FFF2-40B4-BE49-F238E27FC236}">
+                <a16:creationId xmlns:a16="http://schemas.microsoft.com/office/drawing/2014/main" id="{9228552E-C8B1-4A80-8448-0787CE0FC704}"/>
+              </a:ext>
+              <a:ext uri="{C183D7F6-B498-43B3-948B-1728B52AA6E4}">
+                <adec:decorative xmlns:adec="http://schemas.microsoft.com/office/drawing/2017/decorative" val="1"/>
+              </a:ext>
+            </a:extLst>
+          </p:cNvPr>
+          <p:cNvSpPr>
+            <a:spLocks noGrp="1" noRot="1" noChangeAspect="1" noMove="1" noResize="1" noEditPoints="1" noAdjustHandles="1" noChangeArrowheads="1" noChangeShapeType="1" noTextEdit="1"/>
+          </p:cNvSpPr>
+          <p:nvPr>
+            <p:extLst>
+              <p:ext uri="{386F3935-93C4-4BCD-93E2-E3B085C9AB24}">
+                <p16:designElem xmlns:p16="http://schemas.microsoft.com/office/powerpoint/2015/main" val="1"/>
+              </p:ext>
+            </p:extLst>
+          </p:nvPr>
+        </p:nvSpPr>
+        <p:spPr>
+          <a:xfrm>
+            <a:off x="0" y="0"/>
+            <a:ext cx="12192000" cy="6858000"/>
+          </a:xfrm>
+          <a:prstGeom prst="rect">
+            <a:avLst/>
+          </a:prstGeom>
+          <a:solidFill>
+            <a:srgbClr val="000000"/>
+          </a:solidFill>
+          <a:ln>
+            <a:noFill/>
+          </a:ln>
+        </p:spPr>
+        <p:style>
+          <a:lnRef idx="2">
+            <a:schemeClr val="accent1">
+              <a:shade val="50000"/>
+            </a:schemeClr>
+          </a:lnRef>
+          <a:fillRef idx="1">
+            <a:schemeClr val="accent1"/>
+          </a:fillRef>
+          <a:effectRef idx="0">
+            <a:schemeClr val="accent1"/>
+          </a:effectRef>
+          <a:fontRef idx="minor">
+            <a:schemeClr val="lt1"/>
+          </a:fontRef>
+        </p:style>
+        <p:txBody>
+          <a:bodyPr rtlCol="0" anchor="ctr"/>
+          <a:lstStyle/>
+          <a:p>
+            <a:pPr algn="ctr"/>
+            <a:endParaRPr lang="en-US"/>
+          </a:p>
+        </p:txBody>
+      </p:sp>
+      <p:pic>
+        <p:nvPicPr>
+          <p:cNvPr id="5" name="Picture 4">
+            <a:extLst>
+              <a:ext uri="{FF2B5EF4-FFF2-40B4-BE49-F238E27FC236}">
+                <a16:creationId xmlns:a16="http://schemas.microsoft.com/office/drawing/2014/main" id="{B0D70A0D-661C-CF7E-E525-C2A9B7B05409}"/>
+              </a:ext>
+            </a:extLst>
+          </p:cNvPr>
+          <p:cNvPicPr>
+            <a:picLocks noChangeAspect="1"/>
+          </p:cNvPicPr>
+          <p:nvPr/>
+        </p:nvPicPr>
+        <p:blipFill rotWithShape="1">
+          <a:blip r:embed="rId2">
+            <a:alphaModFix amt="35000"/>
+          </a:blip>
+          <a:srcRect r="444"/>
+          <a:stretch/>
+        </p:blipFill>
+        <p:spPr>
+          <a:xfrm>
+            <a:off x="20" y="10"/>
+            <a:ext cx="12191980" cy="6857990"/>
+          </a:xfrm>
+          <a:prstGeom prst="rect">
+            <a:avLst/>
+          </a:prstGeom>
+        </p:spPr>
+      </p:pic>
+      <p:sp>
+        <p:nvSpPr>
+          <p:cNvPr id="2" name="Title 1">
+            <a:extLst>
+              <a:ext uri="{FF2B5EF4-FFF2-40B4-BE49-F238E27FC236}">
+                <a16:creationId xmlns:a16="http://schemas.microsoft.com/office/drawing/2014/main" id="{79A306F7-C5C9-8566-318A-D69EA3EA0952}"/>
+              </a:ext>
+            </a:extLst>
+          </p:cNvPr>
+          <p:cNvSpPr>
+            <a:spLocks noGrp="1"/>
+          </p:cNvSpPr>
+          <p:nvPr>
+            <p:ph type="title"/>
+          </p:nvPr>
+        </p:nvSpPr>
+        <p:spPr>
+          <a:xfrm>
+            <a:off x="838200" y="365125"/>
+            <a:ext cx="10515600" cy="1325563"/>
+          </a:xfrm>
+        </p:spPr>
+        <p:txBody>
+          <a:bodyPr>
+            <a:normAutofit/>
+          </a:bodyPr>
+          <a:lstStyle/>
+          <a:p>
+            <a:r>
+              <a:rPr lang="en-US" b="0" i="0">
+                <a:solidFill>
+                  <a:srgbClr val="FFFFFF"/>
+                </a:solidFill>
+                <a:effectLst/>
+                <a:latin typeface="Söhne"/>
+              </a:rPr>
+              <a:t>Key Responsibilities</a:t>
+            </a:r>
+            <a:endParaRPr lang="en-US">
+              <a:solidFill>
+                <a:srgbClr val="FFFFFF"/>
+              </a:solidFill>
+            </a:endParaRPr>
+          </a:p>
+        </p:txBody>
+      </p:sp>
+      <p:sp>
+        <p:nvSpPr>
+          <p:cNvPr id="3" name="Content Placeholder 2">
+            <a:extLst>
+              <a:ext uri="{FF2B5EF4-FFF2-40B4-BE49-F238E27FC236}">
+                <a16:creationId xmlns:a16="http://schemas.microsoft.com/office/drawing/2014/main" id="{2F3E9C7E-4EC5-518E-E899-3F303BC7C8D4}"/>
+              </a:ext>
+            </a:extLst>
+          </p:cNvPr>
+          <p:cNvSpPr>
+            <a:spLocks noGrp="1"/>
+          </p:cNvSpPr>
+          <p:nvPr>
+            <p:ph idx="1"/>
+          </p:nvPr>
+        </p:nvSpPr>
+        <p:spPr>
+          <a:xfrm>
+            <a:off x="838200" y="1825625"/>
+            <a:ext cx="10515600" cy="4351338"/>
+          </a:xfrm>
+        </p:spPr>
+        <p:txBody>
+          <a:bodyPr>
+            <a:normAutofit/>
+          </a:bodyPr>
+          <a:lstStyle/>
+          <a:p>
+            <a:pPr>
+              <a:buFont typeface="Arial" panose="020B0604020202020204" pitchFamily="34" charset="0"/>
+              <a:buChar char="•"/>
+            </a:pPr>
+            <a:r>
+              <a:rPr lang="en-US" b="0" i="0">
+                <a:solidFill>
+                  <a:srgbClr val="FFFFFF"/>
+                </a:solidFill>
+                <a:effectLst/>
+                <a:latin typeface="Söhne"/>
+              </a:rPr>
+              <a:t>Categorize incremental risks associated with the cloud-managed services platform.</a:t>
+            </a:r>
+          </a:p>
+          <a:p>
+            <a:pPr>
+              <a:buFont typeface="Arial" panose="020B0604020202020204" pitchFamily="34" charset="0"/>
+              <a:buChar char="•"/>
+            </a:pPr>
+            <a:r>
+              <a:rPr lang="en-US" b="0" i="0">
+                <a:solidFill>
+                  <a:srgbClr val="FFFFFF"/>
+                </a:solidFill>
+                <a:effectLst/>
+                <a:latin typeface="Söhne"/>
+              </a:rPr>
+              <a:t>Identify essential parameters for risk assessment.</a:t>
+            </a:r>
+          </a:p>
+          <a:p>
+            <a:pPr>
+              <a:buFont typeface="Arial" panose="020B0604020202020204" pitchFamily="34" charset="0"/>
+              <a:buChar char="•"/>
+            </a:pPr>
+            <a:r>
+              <a:rPr lang="en-US" b="0" i="0">
+                <a:solidFill>
+                  <a:srgbClr val="FFFFFF"/>
+                </a:solidFill>
+                <a:effectLst/>
+                <a:latin typeface="Söhne"/>
+              </a:rPr>
+              <a:t>Analyze data from cloud-native services and third-party tools.</a:t>
+            </a:r>
+          </a:p>
+          <a:p>
+            <a:pPr>
+              <a:buFont typeface="Arial" panose="020B0604020202020204" pitchFamily="34" charset="0"/>
+              <a:buChar char="•"/>
+            </a:pPr>
+            <a:r>
+              <a:rPr lang="en-US" b="0" i="0">
+                <a:solidFill>
+                  <a:srgbClr val="FFFFFF"/>
+                </a:solidFill>
+                <a:effectLst/>
+                <a:latin typeface="Söhne"/>
+              </a:rPr>
+              <a:t>Determine metric values for assessing risks.</a:t>
+            </a:r>
+          </a:p>
+          <a:p>
+            <a:endParaRPr lang="en-US">
+              <a:solidFill>
+                <a:srgbClr val="FFFFFF"/>
+              </a:solidFill>
+            </a:endParaRPr>
+          </a:p>
+        </p:txBody>
+      </p:sp>
+    </p:spTree>
+    <p:extLst>
+      <p:ext uri="{BB962C8B-B14F-4D97-AF65-F5344CB8AC3E}">
+        <p14:creationId xmlns:p14="http://schemas.microsoft.com/office/powerpoint/2010/main" val="2305853287"/>
+      </p:ext>
+    </p:extLst>
+  </p:cSld>
+  <p:clrMapOvr>
+    <a:overrideClrMapping bg1="dk1" tx1="lt1" bg2="dk2" tx2="lt2" accent1="accent1" accent2="accent2" accent3="accent3" accent4="accent4" accent5="accent5" accent6="accent6" hlink="hlink" folHlink="folHlink"/>
+  </p:clrMapOvr>
+</p:sld>
+</file>
+
+<file path=ppt/slides/slide4.xml><?xml version="1.0" encoding="utf-8"?>
+<p:sld xmlns:a="http://schemas.openxmlformats.org/drawingml/2006/main" xmlns:r="http://schemas.openxmlformats.org/officeDocument/2006/relationships" xmlns:p="http://schemas.openxmlformats.org/presentationml/2006/main">
+  <p:cSld>
+    <p:bg>
+      <p:bgPr>
+        <a:solidFill>
+          <a:schemeClr val="bg1"/>
+        </a:solidFill>
+        <a:effectLst/>
+      </p:bgPr>
+    </p:bg>
+    <p:spTree>
+      <p:nvGrpSpPr>
+        <p:cNvPr id="1" name=""/>
+        <p:cNvGrpSpPr/>
+        <p:nvPr/>
+      </p:nvGrpSpPr>
+      <p:grpSpPr>
+        <a:xfrm>
+          <a:off x="0" y="0"/>
+          <a:ext cx="0" cy="0"/>
+          <a:chOff x="0" y="0"/>
+          <a:chExt cx="0" cy="0"/>
+        </a:xfrm>
+      </p:grpSpPr>
+      <p:sp>
+        <p:nvSpPr>
+          <p:cNvPr id="19" name="Rectangle 18">
+            <a:extLst>
+              <a:ext uri="{FF2B5EF4-FFF2-40B4-BE49-F238E27FC236}">
+                <a16:creationId xmlns:a16="http://schemas.microsoft.com/office/drawing/2014/main" id="{9228552E-C8B1-4A80-8448-0787CE0FC704}"/>
+              </a:ext>
+              <a:ext uri="{C183D7F6-B498-43B3-948B-1728B52AA6E4}">
+                <adec:decorative xmlns:adec="http://schemas.microsoft.com/office/drawing/2017/decorative" val="1"/>
+              </a:ext>
+            </a:extLst>
+          </p:cNvPr>
+          <p:cNvSpPr>
+            <a:spLocks noGrp="1" noRot="1" noChangeAspect="1" noMove="1" noResize="1" noEditPoints="1" noAdjustHandles="1" noChangeArrowheads="1" noChangeShapeType="1" noTextEdit="1"/>
+          </p:cNvSpPr>
+          <p:nvPr>
+            <p:extLst>
+              <p:ext uri="{386F3935-93C4-4BCD-93E2-E3B085C9AB24}">
+                <p16:designElem xmlns:p16="http://schemas.microsoft.com/office/powerpoint/2015/main" val="1"/>
+              </p:ext>
+            </p:extLst>
+          </p:nvPr>
+        </p:nvSpPr>
+        <p:spPr>
+          <a:xfrm>
+            <a:off x="0" y="0"/>
+            <a:ext cx="12192000" cy="6858000"/>
+          </a:xfrm>
+          <a:prstGeom prst="rect">
+            <a:avLst/>
+          </a:prstGeom>
+          <a:solidFill>
+            <a:srgbClr val="000000"/>
+          </a:solidFill>
+          <a:ln>
+            <a:noFill/>
+          </a:ln>
+        </p:spPr>
+        <p:style>
+          <a:lnRef idx="2">
+            <a:schemeClr val="accent1">
+              <a:shade val="50000"/>
+            </a:schemeClr>
+          </a:lnRef>
+          <a:fillRef idx="1">
+            <a:schemeClr val="accent1"/>
+          </a:fillRef>
+          <a:effectRef idx="0">
+            <a:schemeClr val="accent1"/>
+          </a:effectRef>
+          <a:fontRef idx="minor">
+            <a:schemeClr val="lt1"/>
+          </a:fontRef>
+        </p:style>
+        <p:txBody>
+          <a:bodyPr rtlCol="0" anchor="ctr"/>
+          <a:lstStyle/>
+          <a:p>
+            <a:pPr algn="ctr"/>
+            <a:endParaRPr lang="en-US"/>
+          </a:p>
+        </p:txBody>
+      </p:sp>
+      <p:pic>
+        <p:nvPicPr>
+          <p:cNvPr id="5" name="Picture 4">
+            <a:extLst>
+              <a:ext uri="{FF2B5EF4-FFF2-40B4-BE49-F238E27FC236}">
+                <a16:creationId xmlns:a16="http://schemas.microsoft.com/office/drawing/2014/main" id="{70D27AB5-B1C9-6C47-1D32-F8A8A2DF411F}"/>
+              </a:ext>
+            </a:extLst>
+          </p:cNvPr>
+          <p:cNvPicPr>
+            <a:picLocks noChangeAspect="1"/>
+          </p:cNvPicPr>
+          <p:nvPr/>
+        </p:nvPicPr>
+        <p:blipFill rotWithShape="1">
+          <a:blip r:embed="rId2">
+            <a:alphaModFix amt="35000"/>
+          </a:blip>
+          <a:srcRect r="444"/>
+          <a:stretch/>
+        </p:blipFill>
+        <p:spPr>
+          <a:xfrm>
+            <a:off x="20" y="10"/>
+            <a:ext cx="12191979" cy="6857990"/>
+          </a:xfrm>
+          <a:prstGeom prst="rect">
+            <a:avLst/>
+          </a:prstGeom>
+        </p:spPr>
+      </p:pic>
+      <p:sp>
+        <p:nvSpPr>
+          <p:cNvPr id="2" name="Title 1">
+            <a:extLst>
+              <a:ext uri="{FF2B5EF4-FFF2-40B4-BE49-F238E27FC236}">
+                <a16:creationId xmlns:a16="http://schemas.microsoft.com/office/drawing/2014/main" id="{AA435205-DD9F-0E3B-8E08-916147E5BFAB}"/>
+              </a:ext>
+            </a:extLst>
+          </p:cNvPr>
+          <p:cNvSpPr>
+            <a:spLocks noGrp="1"/>
+          </p:cNvSpPr>
+          <p:nvPr>
+            <p:ph type="title"/>
+          </p:nvPr>
+        </p:nvSpPr>
+        <p:spPr>
+          <a:xfrm>
+            <a:off x="838200" y="365125"/>
+            <a:ext cx="10515600" cy="1325563"/>
+          </a:xfrm>
+        </p:spPr>
+        <p:txBody>
+          <a:bodyPr>
+            <a:normAutofit/>
+          </a:bodyPr>
+          <a:lstStyle/>
+          <a:p>
+            <a:r>
+              <a:rPr lang="en-US" b="0" i="0">
+                <a:solidFill>
+                  <a:srgbClr val="FFFFFF"/>
+                </a:solidFill>
+                <a:effectLst/>
+                <a:latin typeface="Söhne"/>
+              </a:rPr>
+              <a:t>Achievements</a:t>
+            </a:r>
+            <a:endParaRPr lang="en-US">
+              <a:solidFill>
+                <a:srgbClr val="FFFFFF"/>
+              </a:solidFill>
+            </a:endParaRPr>
+          </a:p>
+        </p:txBody>
+      </p:sp>
+      <p:sp>
+        <p:nvSpPr>
+          <p:cNvPr id="3" name="Content Placeholder 2">
+            <a:extLst>
+              <a:ext uri="{FF2B5EF4-FFF2-40B4-BE49-F238E27FC236}">
+                <a16:creationId xmlns:a16="http://schemas.microsoft.com/office/drawing/2014/main" id="{FDA91CCF-40A2-269C-5330-73BDD88AFD69}"/>
+              </a:ext>
+            </a:extLst>
+          </p:cNvPr>
+          <p:cNvSpPr>
+            <a:spLocks noGrp="1"/>
+          </p:cNvSpPr>
+          <p:nvPr>
+            <p:ph idx="1"/>
+          </p:nvPr>
+        </p:nvSpPr>
+        <p:spPr>
+          <a:xfrm>
+            <a:off x="838200" y="1825625"/>
+            <a:ext cx="10515600" cy="4351338"/>
+          </a:xfrm>
+        </p:spPr>
+        <p:txBody>
+          <a:bodyPr>
+            <a:normAutofit/>
+          </a:bodyPr>
+          <a:lstStyle/>
+          <a:p>
+            <a:pPr>
+              <a:buFont typeface="Arial" panose="020B0604020202020204" pitchFamily="34" charset="0"/>
+              <a:buChar char="•"/>
+            </a:pPr>
+            <a:r>
+              <a:rPr lang="en-US" b="0" i="0">
+                <a:solidFill>
+                  <a:srgbClr val="FFFFFF"/>
+                </a:solidFill>
+                <a:effectLst/>
+                <a:latin typeface="Söhne"/>
+              </a:rPr>
+              <a:t>Established distinct categorization of incremental risks.</a:t>
+            </a:r>
+          </a:p>
+          <a:p>
+            <a:pPr>
+              <a:buFont typeface="Arial" panose="020B0604020202020204" pitchFamily="34" charset="0"/>
+              <a:buChar char="•"/>
+            </a:pPr>
+            <a:r>
+              <a:rPr lang="en-US" b="0" i="0">
+                <a:solidFill>
+                  <a:srgbClr val="FFFFFF"/>
+                </a:solidFill>
+                <a:effectLst/>
+                <a:latin typeface="Söhne"/>
+              </a:rPr>
+              <a:t>Identified essential parameters for risk assessment.</a:t>
+            </a:r>
+          </a:p>
+          <a:p>
+            <a:pPr>
+              <a:buFont typeface="Arial" panose="020B0604020202020204" pitchFamily="34" charset="0"/>
+              <a:buChar char="•"/>
+            </a:pPr>
+            <a:r>
+              <a:rPr lang="en-US" b="0" i="0">
+                <a:solidFill>
+                  <a:srgbClr val="FFFFFF"/>
+                </a:solidFill>
+                <a:effectLst/>
+                <a:latin typeface="Söhne"/>
+              </a:rPr>
+              <a:t>Conducted analysis of data from cloud-native services and third-party tools.</a:t>
+            </a:r>
+          </a:p>
+          <a:p>
+            <a:pPr>
+              <a:buFont typeface="Arial" panose="020B0604020202020204" pitchFamily="34" charset="0"/>
+              <a:buChar char="•"/>
+            </a:pPr>
+            <a:r>
+              <a:rPr lang="en-US" b="0" i="0">
+                <a:solidFill>
+                  <a:srgbClr val="FFFFFF"/>
+                </a:solidFill>
+                <a:effectLst/>
+                <a:latin typeface="Söhne"/>
+              </a:rPr>
+              <a:t>Determined metric values for assessing risks.</a:t>
+            </a:r>
+          </a:p>
+          <a:p>
+            <a:endParaRPr lang="en-US">
+              <a:solidFill>
+                <a:srgbClr val="FFFFFF"/>
+              </a:solidFill>
+            </a:endParaRPr>
+          </a:p>
+        </p:txBody>
+      </p:sp>
+    </p:spTree>
+    <p:extLst>
+      <p:ext uri="{BB962C8B-B14F-4D97-AF65-F5344CB8AC3E}">
+        <p14:creationId xmlns:p14="http://schemas.microsoft.com/office/powerpoint/2010/main" val="544892551"/>
+      </p:ext>
+    </p:extLst>
+  </p:cSld>
+  <p:clrMapOvr>
+    <a:overrideClrMapping bg1="dk1" tx1="lt1" bg2="dk2" tx2="lt2" accent1="accent1" accent2="accent2" accent3="accent3" accent4="accent4" accent5="accent5" accent6="accent6" hlink="hlink" folHlink="folHlink"/>
+  </p:clrMapOvr>
+</p:sld>
+</file>
+
+<file path=ppt/slides/slide5.xml><?xml version="1.0" encoding="utf-8"?>
+<p:sld xmlns:a="http://schemas.openxmlformats.org/drawingml/2006/main" xmlns:r="http://schemas.openxmlformats.org/officeDocument/2006/relationships" xmlns:p="http://schemas.openxmlformats.org/presentationml/2006/main">
+  <p:cSld>
+    <p:bg>
+      <p:bgPr>
+        <a:solidFill>
+          <a:schemeClr val="bg1"/>
+        </a:solidFill>
+        <a:effectLst/>
+      </p:bgPr>
+    </p:bg>
+    <p:spTree>
+      <p:nvGrpSpPr>
+        <p:cNvPr id="1" name=""/>
+        <p:cNvGrpSpPr/>
+        <p:nvPr/>
+      </p:nvGrpSpPr>
+      <p:grpSpPr>
+        <a:xfrm>
+          <a:off x="0" y="0"/>
+          <a:ext cx="0" cy="0"/>
+          <a:chOff x="0" y="0"/>
+          <a:chExt cx="0" cy="0"/>
+        </a:xfrm>
+      </p:grpSpPr>
+      <p:sp>
+        <p:nvSpPr>
+          <p:cNvPr id="19" name="Rectangle 18">
+            <a:extLst>
+              <a:ext uri="{FF2B5EF4-FFF2-40B4-BE49-F238E27FC236}">
+                <a16:creationId xmlns:a16="http://schemas.microsoft.com/office/drawing/2014/main" id="{9228552E-C8B1-4A80-8448-0787CE0FC704}"/>
+              </a:ext>
+              <a:ext uri="{C183D7F6-B498-43B3-948B-1728B52AA6E4}">
+                <adec:decorative xmlns:adec="http://schemas.microsoft.com/office/drawing/2017/decorative" val="1"/>
+              </a:ext>
+            </a:extLst>
+          </p:cNvPr>
+          <p:cNvSpPr>
+            <a:spLocks noGrp="1" noRot="1" noChangeAspect="1" noMove="1" noResize="1" noEditPoints="1" noAdjustHandles="1" noChangeArrowheads="1" noChangeShapeType="1" noTextEdit="1"/>
+          </p:cNvSpPr>
+          <p:nvPr>
+            <p:extLst>
+              <p:ext uri="{386F3935-93C4-4BCD-93E2-E3B085C9AB24}">
+                <p16:designElem xmlns:p16="http://schemas.microsoft.com/office/powerpoint/2015/main" val="1"/>
+              </p:ext>
+            </p:extLst>
+          </p:nvPr>
+        </p:nvSpPr>
+        <p:spPr>
+          <a:xfrm>
+            <a:off x="0" y="0"/>
+            <a:ext cx="12192000" cy="6858000"/>
+          </a:xfrm>
+          <a:prstGeom prst="rect">
+            <a:avLst/>
+          </a:prstGeom>
+          <a:solidFill>
+            <a:srgbClr val="000000"/>
+          </a:solidFill>
+          <a:ln>
+            <a:noFill/>
+          </a:ln>
+        </p:spPr>
+        <p:style>
+          <a:lnRef idx="2">
+            <a:schemeClr val="accent1">
+              <a:shade val="50000"/>
+            </a:schemeClr>
+          </a:lnRef>
+          <a:fillRef idx="1">
+            <a:schemeClr val="accent1"/>
+          </a:fillRef>
+          <a:effectRef idx="0">
+            <a:schemeClr val="accent1"/>
+          </a:effectRef>
+          <a:fontRef idx="minor">
+            <a:schemeClr val="lt1"/>
+          </a:fontRef>
+        </p:style>
+        <p:txBody>
+          <a:bodyPr rtlCol="0" anchor="ctr"/>
+          <a:lstStyle/>
+          <a:p>
+            <a:pPr algn="ctr"/>
+            <a:endParaRPr lang="en-US"/>
+          </a:p>
+        </p:txBody>
+      </p:sp>
+      <p:pic>
+        <p:nvPicPr>
+          <p:cNvPr id="5" name="Picture 4">
+            <a:extLst>
+              <a:ext uri="{FF2B5EF4-FFF2-40B4-BE49-F238E27FC236}">
+                <a16:creationId xmlns:a16="http://schemas.microsoft.com/office/drawing/2014/main" id="{266C6D63-6AF8-FF3A-279C-41048BA1027B}"/>
+              </a:ext>
+            </a:extLst>
+          </p:cNvPr>
+          <p:cNvPicPr>
+            <a:picLocks noChangeAspect="1"/>
+          </p:cNvPicPr>
+          <p:nvPr/>
+        </p:nvPicPr>
+        <p:blipFill rotWithShape="1">
+          <a:blip r:embed="rId2">
+            <a:alphaModFix amt="35000"/>
+          </a:blip>
+          <a:srcRect r="444"/>
+          <a:stretch/>
+        </p:blipFill>
+        <p:spPr>
+          <a:xfrm>
+            <a:off x="20" y="10"/>
+            <a:ext cx="12191979" cy="6857990"/>
+          </a:xfrm>
+          <a:prstGeom prst="rect">
+            <a:avLst/>
+          </a:prstGeom>
+        </p:spPr>
+      </p:pic>
+      <p:sp>
+        <p:nvSpPr>
+          <p:cNvPr id="2" name="Title 1">
+            <a:extLst>
+              <a:ext uri="{FF2B5EF4-FFF2-40B4-BE49-F238E27FC236}">
+                <a16:creationId xmlns:a16="http://schemas.microsoft.com/office/drawing/2014/main" id="{23913122-F712-99F8-F496-6DFC63F54A50}"/>
+              </a:ext>
+            </a:extLst>
+          </p:cNvPr>
+          <p:cNvSpPr>
+            <a:spLocks noGrp="1"/>
+          </p:cNvSpPr>
+          <p:nvPr>
+            <p:ph type="title"/>
+          </p:nvPr>
+        </p:nvSpPr>
+        <p:spPr>
+          <a:xfrm>
+            <a:off x="838200" y="365125"/>
+            <a:ext cx="10515600" cy="1325563"/>
+          </a:xfrm>
+        </p:spPr>
+        <p:txBody>
+          <a:bodyPr>
+            <a:normAutofit/>
+          </a:bodyPr>
+          <a:lstStyle/>
+          <a:p>
+            <a:r>
+              <a:rPr lang="en-US" b="0" i="0">
+                <a:solidFill>
+                  <a:srgbClr val="FFFFFF"/>
+                </a:solidFill>
+                <a:effectLst/>
+                <a:latin typeface="Söhne"/>
+              </a:rPr>
+              <a:t>Risk Reporting Framework</a:t>
+            </a:r>
+            <a:endParaRPr lang="en-US">
+              <a:solidFill>
+                <a:srgbClr val="FFFFFF"/>
+              </a:solidFill>
+            </a:endParaRPr>
+          </a:p>
+        </p:txBody>
+      </p:sp>
+      <p:sp>
+        <p:nvSpPr>
+          <p:cNvPr id="3" name="Content Placeholder 2">
+            <a:extLst>
+              <a:ext uri="{FF2B5EF4-FFF2-40B4-BE49-F238E27FC236}">
+                <a16:creationId xmlns:a16="http://schemas.microsoft.com/office/drawing/2014/main" id="{8E0C4FB8-AC36-C02B-EE62-591A8CB9813C}"/>
+              </a:ext>
+            </a:extLst>
+          </p:cNvPr>
+          <p:cNvSpPr>
+            <a:spLocks noGrp="1"/>
+          </p:cNvSpPr>
+          <p:nvPr>
+            <p:ph idx="1"/>
+          </p:nvPr>
+        </p:nvSpPr>
+        <p:spPr>
+          <a:xfrm>
+            <a:off x="838200" y="1825625"/>
+            <a:ext cx="10515600" cy="4351338"/>
+          </a:xfrm>
+        </p:spPr>
+        <p:txBody>
+          <a:bodyPr>
+            <a:normAutofit/>
+          </a:bodyPr>
+          <a:lstStyle/>
+          <a:p>
+            <a:pPr marL="0" indent="0">
+              <a:buNone/>
+            </a:pPr>
+            <a:r>
+              <a:rPr lang="en-US" b="0" i="0" dirty="0">
+                <a:solidFill>
+                  <a:srgbClr val="FFFFFF"/>
+                </a:solidFill>
+                <a:effectLst/>
+                <a:latin typeface="Söhne"/>
+              </a:rPr>
+              <a:t>Components:</a:t>
+            </a:r>
+          </a:p>
+          <a:p>
+            <a:pPr marL="0" indent="0">
+              <a:buNone/>
+            </a:pPr>
+            <a:endParaRPr lang="en-US" b="0" i="0" dirty="0">
+              <a:solidFill>
+                <a:srgbClr val="FFFFFF"/>
+              </a:solidFill>
+              <a:effectLst/>
+              <a:latin typeface="Söhne"/>
+            </a:endParaRPr>
+          </a:p>
+          <a:p>
+            <a:pPr lvl="1"/>
+            <a:r>
+              <a:rPr lang="en-US" b="0" i="0" dirty="0">
+                <a:solidFill>
+                  <a:srgbClr val="FFFFFF"/>
+                </a:solidFill>
+                <a:effectLst/>
+                <a:latin typeface="Söhne"/>
+              </a:rPr>
+              <a:t>Risk categorization</a:t>
+            </a:r>
+          </a:p>
+          <a:p>
+            <a:pPr lvl="1"/>
+            <a:r>
+              <a:rPr lang="en-US" b="0" i="0" dirty="0">
+                <a:solidFill>
+                  <a:srgbClr val="FFFFFF"/>
+                </a:solidFill>
+                <a:effectLst/>
+                <a:latin typeface="Söhne"/>
+              </a:rPr>
+              <a:t>Parameters for assessment</a:t>
+            </a:r>
+          </a:p>
+          <a:p>
+            <a:pPr lvl="1"/>
+            <a:r>
+              <a:rPr lang="en-US" b="0" i="0" dirty="0">
+                <a:solidFill>
+                  <a:srgbClr val="FFFFFF"/>
+                </a:solidFill>
+                <a:effectLst/>
+                <a:latin typeface="Söhne"/>
+              </a:rPr>
+              <a:t>Data analysis approach</a:t>
+            </a:r>
+          </a:p>
+          <a:p>
+            <a:pPr lvl="1"/>
+            <a:r>
+              <a:rPr lang="en-US" b="0" i="0" dirty="0">
+                <a:solidFill>
+                  <a:srgbClr val="FFFFFF"/>
+                </a:solidFill>
+                <a:effectLst/>
+                <a:latin typeface="Söhne"/>
+              </a:rPr>
+              <a:t>Metric determination</a:t>
+            </a:r>
+          </a:p>
+          <a:p>
+            <a:endParaRPr lang="en-US" dirty="0">
+              <a:solidFill>
+                <a:srgbClr val="FFFFFF"/>
+              </a:solidFill>
+            </a:endParaRPr>
+          </a:p>
+        </p:txBody>
+      </p:sp>
+    </p:spTree>
+    <p:extLst>
+      <p:ext uri="{BB962C8B-B14F-4D97-AF65-F5344CB8AC3E}">
+        <p14:creationId xmlns:p14="http://schemas.microsoft.com/office/powerpoint/2010/main" val="39995879"/>
+      </p:ext>
+    </p:extLst>
+  </p:cSld>
+  <p:clrMapOvr>
+    <a:overrideClrMapping bg1="dk1" tx1="lt1" bg2="dk2" tx2="lt2" accent1="accent1" accent2="accent2" accent3="accent3" accent4="accent4" accent5="accent5" accent6="accent6" hlink="hlink" folHlink="folHlink"/>
+  </p:clrMapOvr>
+</p:sld>
+</file>
+
+<file path=ppt/slides/slide6.xml><?xml version="1.0" encoding="utf-8"?>
+<p:sld xmlns:a="http://schemas.openxmlformats.org/drawingml/2006/main" xmlns:r="http://schemas.openxmlformats.org/officeDocument/2006/relationships" xmlns:p="http://schemas.openxmlformats.org/presentationml/2006/main">
+  <p:cSld>
+    <p:bg>
+      <p:bgPr>
+        <a:solidFill>
+          <a:schemeClr val="bg1"/>
+        </a:solidFill>
+        <a:effectLst/>
+      </p:bgPr>
+    </p:bg>
+    <p:spTree>
+      <p:nvGrpSpPr>
+        <p:cNvPr id="1" name=""/>
+        <p:cNvGrpSpPr/>
+        <p:nvPr/>
+      </p:nvGrpSpPr>
+      <p:grpSpPr>
+        <a:xfrm>
+          <a:off x="0" y="0"/>
+          <a:ext cx="0" cy="0"/>
+          <a:chOff x="0" y="0"/>
+          <a:chExt cx="0" cy="0"/>
+        </a:xfrm>
+      </p:grpSpPr>
+      <p:sp>
+        <p:nvSpPr>
+          <p:cNvPr id="19" name="Rectangle 18">
+            <a:extLst>
+              <a:ext uri="{FF2B5EF4-FFF2-40B4-BE49-F238E27FC236}">
+                <a16:creationId xmlns:a16="http://schemas.microsoft.com/office/drawing/2014/main" id="{9228552E-C8B1-4A80-8448-0787CE0FC704}"/>
+              </a:ext>
+              <a:ext uri="{C183D7F6-B498-43B3-948B-1728B52AA6E4}">
+                <adec:decorative xmlns:adec="http://schemas.microsoft.com/office/drawing/2017/decorative" val="1"/>
+              </a:ext>
+            </a:extLst>
+          </p:cNvPr>
+          <p:cNvSpPr>
+            <a:spLocks noGrp="1" noRot="1" noChangeAspect="1" noMove="1" noResize="1" noEditPoints="1" noAdjustHandles="1" noChangeArrowheads="1" noChangeShapeType="1" noTextEdit="1"/>
+          </p:cNvSpPr>
+          <p:nvPr>
+            <p:extLst>
+              <p:ext uri="{386F3935-93C4-4BCD-93E2-E3B085C9AB24}">
+                <p16:designElem xmlns:p16="http://schemas.microsoft.com/office/powerpoint/2015/main" val="1"/>
+              </p:ext>
+            </p:extLst>
+          </p:nvPr>
+        </p:nvSpPr>
+        <p:spPr>
+          <a:xfrm>
+            <a:off x="0" y="0"/>
+            <a:ext cx="12192000" cy="6858000"/>
+          </a:xfrm>
+          <a:prstGeom prst="rect">
+            <a:avLst/>
+          </a:prstGeom>
+          <a:solidFill>
+            <a:srgbClr val="000000"/>
+          </a:solidFill>
+          <a:ln>
+            <a:noFill/>
+          </a:ln>
+        </p:spPr>
+        <p:style>
+          <a:lnRef idx="2">
+            <a:schemeClr val="accent1">
+              <a:shade val="50000"/>
+            </a:schemeClr>
+          </a:lnRef>
+          <a:fillRef idx="1">
+            <a:schemeClr val="accent1"/>
+          </a:fillRef>
+          <a:effectRef idx="0">
+            <a:schemeClr val="accent1"/>
+          </a:effectRef>
+          <a:fontRef idx="minor">
+            <a:schemeClr val="lt1"/>
+          </a:fontRef>
+        </p:style>
+        <p:txBody>
+          <a:bodyPr rtlCol="0" anchor="ctr"/>
+          <a:lstStyle/>
+          <a:p>
+            <a:pPr algn="ctr"/>
+            <a:endParaRPr lang="en-US"/>
+          </a:p>
+        </p:txBody>
+      </p:sp>
+      <p:pic>
+        <p:nvPicPr>
+          <p:cNvPr id="5" name="Picture 4">
+            <a:extLst>
+              <a:ext uri="{FF2B5EF4-FFF2-40B4-BE49-F238E27FC236}">
+                <a16:creationId xmlns:a16="http://schemas.microsoft.com/office/drawing/2014/main" id="{C9795FA0-A27D-3E37-33E1-4C26E40B801C}"/>
+              </a:ext>
+            </a:extLst>
+          </p:cNvPr>
+          <p:cNvPicPr>
+            <a:picLocks noChangeAspect="1"/>
+          </p:cNvPicPr>
+          <p:nvPr/>
+        </p:nvPicPr>
+        <p:blipFill rotWithShape="1">
+          <a:blip r:embed="rId2">
+            <a:alphaModFix amt="35000"/>
+          </a:blip>
+          <a:srcRect r="444"/>
+          <a:stretch/>
+        </p:blipFill>
+        <p:spPr>
+          <a:xfrm>
+            <a:off x="20" y="10"/>
+            <a:ext cx="12191979" cy="6857990"/>
+          </a:xfrm>
+          <a:prstGeom prst="rect">
+            <a:avLst/>
+          </a:prstGeom>
+        </p:spPr>
+      </p:pic>
+      <p:sp>
+        <p:nvSpPr>
+          <p:cNvPr id="2" name="Title 1">
+            <a:extLst>
+              <a:ext uri="{FF2B5EF4-FFF2-40B4-BE49-F238E27FC236}">
+                <a16:creationId xmlns:a16="http://schemas.microsoft.com/office/drawing/2014/main" id="{2FD4C19F-211B-CD02-FE09-E5FA237F659A}"/>
+              </a:ext>
+            </a:extLst>
+          </p:cNvPr>
+          <p:cNvSpPr>
+            <a:spLocks noGrp="1"/>
+          </p:cNvSpPr>
+          <p:nvPr>
+            <p:ph type="title"/>
+          </p:nvPr>
+        </p:nvSpPr>
+        <p:spPr>
+          <a:xfrm>
+            <a:off x="838200" y="365125"/>
+            <a:ext cx="10515600" cy="1325563"/>
+          </a:xfrm>
+        </p:spPr>
+        <p:txBody>
+          <a:bodyPr>
+            <a:normAutofit/>
+          </a:bodyPr>
+          <a:lstStyle/>
+          <a:p>
+            <a:r>
+              <a:rPr lang="en-US" b="0" i="0">
+                <a:solidFill>
+                  <a:srgbClr val="FFFFFF"/>
+                </a:solidFill>
+                <a:effectLst/>
+                <a:latin typeface="Söhne"/>
+              </a:rPr>
+              <a:t>Data Analysis Process</a:t>
+            </a:r>
+            <a:endParaRPr lang="en-US">
+              <a:solidFill>
+                <a:srgbClr val="FFFFFF"/>
+              </a:solidFill>
+            </a:endParaRPr>
+          </a:p>
+        </p:txBody>
+      </p:sp>
+      <p:sp>
+        <p:nvSpPr>
+          <p:cNvPr id="3" name="Content Placeholder 2">
+            <a:extLst>
+              <a:ext uri="{FF2B5EF4-FFF2-40B4-BE49-F238E27FC236}">
+                <a16:creationId xmlns:a16="http://schemas.microsoft.com/office/drawing/2014/main" id="{C9A2D6AF-B58B-34B3-BA2F-21F17885E781}"/>
+              </a:ext>
+            </a:extLst>
+          </p:cNvPr>
+          <p:cNvSpPr>
+            <a:spLocks noGrp="1"/>
+          </p:cNvSpPr>
+          <p:nvPr>
+            <p:ph idx="1"/>
+          </p:nvPr>
+        </p:nvSpPr>
+        <p:spPr>
+          <a:xfrm>
+            <a:off x="838200" y="1825625"/>
+            <a:ext cx="10515600" cy="4351338"/>
+          </a:xfrm>
+        </p:spPr>
+        <p:txBody>
+          <a:bodyPr>
+            <a:normAutofit/>
+          </a:bodyPr>
+          <a:lstStyle/>
+          <a:p>
+            <a:pPr>
+              <a:buFont typeface="Arial" panose="020B0604020202020204" pitchFamily="34" charset="0"/>
+              <a:buChar char="•"/>
+            </a:pPr>
+            <a:r>
+              <a:rPr lang="en-US" b="0" i="0">
+                <a:solidFill>
+                  <a:srgbClr val="FFFFFF"/>
+                </a:solidFill>
+                <a:effectLst/>
+                <a:latin typeface="Söhne"/>
+              </a:rPr>
+              <a:t>Collect data from cloud-native services and third-party tools.</a:t>
+            </a:r>
+          </a:p>
+          <a:p>
+            <a:pPr>
+              <a:buFont typeface="Arial" panose="020B0604020202020204" pitchFamily="34" charset="0"/>
+              <a:buChar char="•"/>
+            </a:pPr>
+            <a:r>
+              <a:rPr lang="en-US" b="0" i="0">
+                <a:solidFill>
+                  <a:srgbClr val="FFFFFF"/>
+                </a:solidFill>
+                <a:effectLst/>
+                <a:latin typeface="Söhne"/>
+              </a:rPr>
+              <a:t>Identify key risk indicators.</a:t>
+            </a:r>
+          </a:p>
+          <a:p>
+            <a:pPr>
+              <a:buFont typeface="Arial" panose="020B0604020202020204" pitchFamily="34" charset="0"/>
+              <a:buChar char="•"/>
+            </a:pPr>
+            <a:r>
+              <a:rPr lang="en-US" b="0" i="0">
+                <a:solidFill>
+                  <a:srgbClr val="FFFFFF"/>
+                </a:solidFill>
+                <a:effectLst/>
+                <a:latin typeface="Söhne"/>
+              </a:rPr>
+              <a:t>Analyze data to determine metric values.</a:t>
+            </a:r>
+          </a:p>
+          <a:p>
+            <a:pPr>
+              <a:buFont typeface="Arial" panose="020B0604020202020204" pitchFamily="34" charset="0"/>
+              <a:buChar char="•"/>
+            </a:pPr>
+            <a:r>
+              <a:rPr lang="en-US" b="0" i="0">
+                <a:solidFill>
+                  <a:srgbClr val="FFFFFF"/>
+                </a:solidFill>
+                <a:effectLst/>
+                <a:latin typeface="Söhne"/>
+              </a:rPr>
+              <a:t>Evaluate risks based on established parameters.</a:t>
+            </a:r>
+          </a:p>
+          <a:p>
+            <a:endParaRPr lang="en-US">
+              <a:solidFill>
+                <a:srgbClr val="FFFFFF"/>
+              </a:solidFill>
+            </a:endParaRPr>
+          </a:p>
+        </p:txBody>
+      </p:sp>
+    </p:spTree>
+    <p:extLst>
+      <p:ext uri="{BB962C8B-B14F-4D97-AF65-F5344CB8AC3E}">
+        <p14:creationId xmlns:p14="http://schemas.microsoft.com/office/powerpoint/2010/main" val="1754959245"/>
+      </p:ext>
+    </p:extLst>
+  </p:cSld>
+  <p:clrMapOvr>
+    <a:overrideClrMapping bg1="dk1" tx1="lt1" bg2="dk2" tx2="lt2" accent1="accent1" accent2="accent2" accent3="accent3" accent4="accent4" accent5="accent5" accent6="accent6" hlink="hlink" folHlink="folHlink"/>
+  </p:clrMapOvr>
+</p:sld>
+</file>
+
+<file path=ppt/slides/slide7.xml><?xml version="1.0" encoding="utf-8"?>
+<p:sld xmlns:a="http://schemas.openxmlformats.org/drawingml/2006/main" xmlns:r="http://schemas.openxmlformats.org/officeDocument/2006/relationships" xmlns:p="http://schemas.openxmlformats.org/presentationml/2006/main">
+  <p:cSld>
+    <p:bg>
+      <p:bgPr>
+        <a:solidFill>
+          <a:schemeClr val="bg1"/>
+        </a:solidFill>
+        <a:effectLst/>
+      </p:bgPr>
+    </p:bg>
+    <p:spTree>
+      <p:nvGrpSpPr>
+        <p:cNvPr id="1" name=""/>
+        <p:cNvGrpSpPr/>
+        <p:nvPr/>
+      </p:nvGrpSpPr>
+      <p:grpSpPr>
+        <a:xfrm>
+          <a:off x="0" y="0"/>
+          <a:ext cx="0" cy="0"/>
+          <a:chOff x="0" y="0"/>
+          <a:chExt cx="0" cy="0"/>
+        </a:xfrm>
+      </p:grpSpPr>
+      <p:sp>
+        <p:nvSpPr>
+          <p:cNvPr id="19" name="Rectangle 18">
+            <a:extLst>
+              <a:ext uri="{FF2B5EF4-FFF2-40B4-BE49-F238E27FC236}">
+                <a16:creationId xmlns:a16="http://schemas.microsoft.com/office/drawing/2014/main" id="{9228552E-C8B1-4A80-8448-0787CE0FC704}"/>
+              </a:ext>
+              <a:ext uri="{C183D7F6-B498-43B3-948B-1728B52AA6E4}">
+                <adec:decorative xmlns:adec="http://schemas.microsoft.com/office/drawing/2017/decorative" val="1"/>
+              </a:ext>
+            </a:extLst>
+          </p:cNvPr>
+          <p:cNvSpPr>
+            <a:spLocks noGrp="1" noRot="1" noChangeAspect="1" noMove="1" noResize="1" noEditPoints="1" noAdjustHandles="1" noChangeArrowheads="1" noChangeShapeType="1" noTextEdit="1"/>
+          </p:cNvSpPr>
+          <p:nvPr>
+            <p:extLst>
+              <p:ext uri="{386F3935-93C4-4BCD-93E2-E3B085C9AB24}">
+                <p16:designElem xmlns:p16="http://schemas.microsoft.com/office/powerpoint/2015/main" val="1"/>
+              </p:ext>
+            </p:extLst>
+          </p:nvPr>
+        </p:nvSpPr>
+        <p:spPr>
+          <a:xfrm>
+            <a:off x="0" y="0"/>
+            <a:ext cx="12192000" cy="6858000"/>
+          </a:xfrm>
+          <a:prstGeom prst="rect">
+            <a:avLst/>
+          </a:prstGeom>
+          <a:solidFill>
+            <a:srgbClr val="000000"/>
+          </a:solidFill>
+          <a:ln>
+            <a:noFill/>
+          </a:ln>
+        </p:spPr>
+        <p:style>
+          <a:lnRef idx="2">
+            <a:schemeClr val="accent1">
+              <a:shade val="50000"/>
+            </a:schemeClr>
+          </a:lnRef>
+          <a:fillRef idx="1">
+            <a:schemeClr val="accent1"/>
+          </a:fillRef>
+          <a:effectRef idx="0">
+            <a:schemeClr val="accent1"/>
+          </a:effectRef>
+          <a:fontRef idx="minor">
+            <a:schemeClr val="lt1"/>
+          </a:fontRef>
+        </p:style>
+        <p:txBody>
+          <a:bodyPr rtlCol="0" anchor="ctr"/>
+          <a:lstStyle/>
+          <a:p>
+            <a:pPr algn="ctr"/>
+            <a:endParaRPr lang="en-US"/>
+          </a:p>
+        </p:txBody>
+      </p:sp>
+      <p:pic>
+        <p:nvPicPr>
+          <p:cNvPr id="5" name="Picture 4">
+            <a:extLst>
+              <a:ext uri="{FF2B5EF4-FFF2-40B4-BE49-F238E27FC236}">
+                <a16:creationId xmlns:a16="http://schemas.microsoft.com/office/drawing/2014/main" id="{C26C6D00-8D42-9917-95DC-1E3C6D458683}"/>
+              </a:ext>
+            </a:extLst>
+          </p:cNvPr>
+          <p:cNvPicPr>
+            <a:picLocks noChangeAspect="1"/>
+          </p:cNvPicPr>
+          <p:nvPr/>
+        </p:nvPicPr>
+        <p:blipFill rotWithShape="1">
+          <a:blip r:embed="rId2">
+            <a:alphaModFix amt="35000"/>
+          </a:blip>
+          <a:srcRect r="444"/>
+          <a:stretch/>
+        </p:blipFill>
+        <p:spPr>
+          <a:xfrm>
+            <a:off x="20" y="10"/>
+            <a:ext cx="12191979" cy="6857990"/>
+          </a:xfrm>
+          <a:prstGeom prst="rect">
+            <a:avLst/>
+          </a:prstGeom>
+        </p:spPr>
+      </p:pic>
+      <p:sp>
+        <p:nvSpPr>
+          <p:cNvPr id="2" name="Title 1">
+            <a:extLst>
+              <a:ext uri="{FF2B5EF4-FFF2-40B4-BE49-F238E27FC236}">
+                <a16:creationId xmlns:a16="http://schemas.microsoft.com/office/drawing/2014/main" id="{027FAFD0-D448-7B07-99D5-9FF9AA214FC1}"/>
+              </a:ext>
+            </a:extLst>
+          </p:cNvPr>
+          <p:cNvSpPr>
+            <a:spLocks noGrp="1"/>
+          </p:cNvSpPr>
+          <p:nvPr>
+            <p:ph type="title"/>
+          </p:nvPr>
+        </p:nvSpPr>
+        <p:spPr>
+          <a:xfrm>
+            <a:off x="838200" y="365125"/>
+            <a:ext cx="10515600" cy="1325563"/>
+          </a:xfrm>
+        </p:spPr>
+        <p:txBody>
+          <a:bodyPr>
+            <a:normAutofit/>
+          </a:bodyPr>
+          <a:lstStyle/>
+          <a:p>
+            <a:r>
+              <a:rPr lang="en-US" b="0" i="0">
+                <a:solidFill>
+                  <a:srgbClr val="FFFFFF"/>
+                </a:solidFill>
+                <a:effectLst/>
+                <a:latin typeface="Söhne"/>
+              </a:rPr>
+              <a:t>Results and Insights</a:t>
+            </a:r>
+            <a:endParaRPr lang="en-US">
+              <a:solidFill>
+                <a:srgbClr val="FFFFFF"/>
+              </a:solidFill>
+            </a:endParaRPr>
+          </a:p>
+        </p:txBody>
+      </p:sp>
+      <p:sp>
+        <p:nvSpPr>
+          <p:cNvPr id="3" name="Content Placeholder 2">
+            <a:extLst>
+              <a:ext uri="{FF2B5EF4-FFF2-40B4-BE49-F238E27FC236}">
+                <a16:creationId xmlns:a16="http://schemas.microsoft.com/office/drawing/2014/main" id="{D7BEC2FE-7559-792F-2B10-AE9F2C801033}"/>
+              </a:ext>
+            </a:extLst>
+          </p:cNvPr>
+          <p:cNvSpPr>
+            <a:spLocks noGrp="1"/>
+          </p:cNvSpPr>
+          <p:nvPr>
+            <p:ph idx="1"/>
+          </p:nvPr>
+        </p:nvSpPr>
+        <p:spPr>
+          <a:xfrm>
+            <a:off x="838200" y="1825625"/>
+            <a:ext cx="10515600" cy="4351338"/>
+          </a:xfrm>
+        </p:spPr>
+        <p:txBody>
+          <a:bodyPr>
+            <a:normAutofit/>
+          </a:bodyPr>
+          <a:lstStyle/>
+          <a:p>
+            <a:pPr>
+              <a:buFont typeface="Arial" panose="020B0604020202020204" pitchFamily="34" charset="0"/>
+              <a:buChar char="•"/>
+            </a:pPr>
+            <a:r>
+              <a:rPr lang="en-US" b="0" i="0">
+                <a:solidFill>
+                  <a:srgbClr val="FFFFFF"/>
+                </a:solidFill>
+                <a:effectLst/>
+                <a:latin typeface="Söhne"/>
+              </a:rPr>
+              <a:t>Identification of high-risk areas in the cloud environment.</a:t>
+            </a:r>
+          </a:p>
+          <a:p>
+            <a:pPr>
+              <a:buFont typeface="Arial" panose="020B0604020202020204" pitchFamily="34" charset="0"/>
+              <a:buChar char="•"/>
+            </a:pPr>
+            <a:r>
+              <a:rPr lang="en-US" b="0" i="0">
+                <a:solidFill>
+                  <a:srgbClr val="FFFFFF"/>
+                </a:solidFill>
+                <a:effectLst/>
+                <a:latin typeface="Söhne"/>
+              </a:rPr>
+              <a:t>Trends in risk occurrence and mitigation effectiveness.</a:t>
+            </a:r>
+          </a:p>
+          <a:p>
+            <a:pPr>
+              <a:buFont typeface="Arial" panose="020B0604020202020204" pitchFamily="34" charset="0"/>
+              <a:buChar char="•"/>
+            </a:pPr>
+            <a:r>
+              <a:rPr lang="en-US" b="0" i="0">
+                <a:solidFill>
+                  <a:srgbClr val="FFFFFF"/>
+                </a:solidFill>
+                <a:effectLst/>
+                <a:latin typeface="Söhne"/>
+              </a:rPr>
+              <a:t>Recommendations for proactive risk management strategies.</a:t>
+            </a:r>
+          </a:p>
+          <a:p>
+            <a:endParaRPr lang="en-US">
+              <a:solidFill>
+                <a:srgbClr val="FFFFFF"/>
+              </a:solidFill>
+            </a:endParaRPr>
+          </a:p>
+        </p:txBody>
+      </p:sp>
+    </p:spTree>
+    <p:extLst>
+      <p:ext uri="{BB962C8B-B14F-4D97-AF65-F5344CB8AC3E}">
+        <p14:creationId xmlns:p14="http://schemas.microsoft.com/office/powerpoint/2010/main" val="148509386"/>
+      </p:ext>
+    </p:extLst>
+  </p:cSld>
+  <p:clrMapOvr>
+    <a:overrideClrMapping bg1="dk1" tx1="lt1" bg2="dk2" tx2="lt2" accent1="accent1" accent2="accent2" accent3="accent3" accent4="accent4" accent5="accent5" accent6="accent6" hlink="hlink" folHlink="folHlink"/>
+  </p:clrMapOvr>
+</p:sld>
+</file>
+
+<file path=ppt/slides/slide8.xml><?xml version="1.0" encoding="utf-8"?>
+<p:sld xmlns:a="http://schemas.openxmlformats.org/drawingml/2006/main" xmlns:r="http://schemas.openxmlformats.org/officeDocument/2006/relationships" xmlns:p="http://schemas.openxmlformats.org/presentationml/2006/main">
+  <p:cSld>
+    <p:bg>
+      <p:bgPr>
+        <a:solidFill>
+          <a:schemeClr val="bg1"/>
+        </a:solidFill>
+        <a:effectLst/>
+      </p:bgPr>
+    </p:bg>
+    <p:spTree>
+      <p:nvGrpSpPr>
+        <p:cNvPr id="1" name=""/>
+        <p:cNvGrpSpPr/>
+        <p:nvPr/>
+      </p:nvGrpSpPr>
+      <p:grpSpPr>
+        <a:xfrm>
+          <a:off x="0" y="0"/>
+          <a:ext cx="0" cy="0"/>
+          <a:chOff x="0" y="0"/>
+          <a:chExt cx="0" cy="0"/>
+        </a:xfrm>
+      </p:grpSpPr>
+      <p:sp>
+        <p:nvSpPr>
+          <p:cNvPr id="19" name="Rectangle 18">
+            <a:extLst>
+              <a:ext uri="{FF2B5EF4-FFF2-40B4-BE49-F238E27FC236}">
+                <a16:creationId xmlns:a16="http://schemas.microsoft.com/office/drawing/2014/main" id="{9228552E-C8B1-4A80-8448-0787CE0FC704}"/>
+              </a:ext>
+              <a:ext uri="{C183D7F6-B498-43B3-948B-1728B52AA6E4}">
+                <adec:decorative xmlns:adec="http://schemas.microsoft.com/office/drawing/2017/decorative" val="1"/>
+              </a:ext>
+            </a:extLst>
+          </p:cNvPr>
+          <p:cNvSpPr>
+            <a:spLocks noGrp="1" noRot="1" noChangeAspect="1" noMove="1" noResize="1" noEditPoints="1" noAdjustHandles="1" noChangeArrowheads="1" noChangeShapeType="1" noTextEdit="1"/>
+          </p:cNvSpPr>
+          <p:nvPr>
+            <p:extLst>
+              <p:ext uri="{386F3935-93C4-4BCD-93E2-E3B085C9AB24}">
+                <p16:designElem xmlns:p16="http://schemas.microsoft.com/office/powerpoint/2015/main" val="1"/>
+              </p:ext>
+            </p:extLst>
+          </p:nvPr>
+        </p:nvSpPr>
+        <p:spPr>
+          <a:xfrm>
+            <a:off x="0" y="0"/>
+            <a:ext cx="12192000" cy="6858000"/>
+          </a:xfrm>
+          <a:prstGeom prst="rect">
+            <a:avLst/>
+          </a:prstGeom>
+          <a:solidFill>
+            <a:srgbClr val="000000"/>
+          </a:solidFill>
+          <a:ln>
+            <a:noFill/>
+          </a:ln>
+        </p:spPr>
+        <p:style>
+          <a:lnRef idx="2">
+            <a:schemeClr val="accent1">
+              <a:shade val="50000"/>
+            </a:schemeClr>
+          </a:lnRef>
+          <a:fillRef idx="1">
+            <a:schemeClr val="accent1"/>
+          </a:fillRef>
+          <a:effectRef idx="0">
+            <a:schemeClr val="accent1"/>
+          </a:effectRef>
+          <a:fontRef idx="minor">
+            <a:schemeClr val="lt1"/>
+          </a:fontRef>
+        </p:style>
+        <p:txBody>
+          <a:bodyPr rtlCol="0" anchor="ctr"/>
+          <a:lstStyle/>
+          <a:p>
+            <a:pPr algn="ctr"/>
+            <a:endParaRPr lang="en-US"/>
+          </a:p>
+        </p:txBody>
+      </p:sp>
+      <p:pic>
+        <p:nvPicPr>
+          <p:cNvPr id="5" name="Picture 4">
+            <a:extLst>
+              <a:ext uri="{FF2B5EF4-FFF2-40B4-BE49-F238E27FC236}">
+                <a16:creationId xmlns:a16="http://schemas.microsoft.com/office/drawing/2014/main" id="{A98AB051-CAE3-6150-BDB1-8C5187F235B0}"/>
+              </a:ext>
+            </a:extLst>
+          </p:cNvPr>
+          <p:cNvPicPr>
+            <a:picLocks noChangeAspect="1"/>
+          </p:cNvPicPr>
+          <p:nvPr/>
+        </p:nvPicPr>
+        <p:blipFill rotWithShape="1">
+          <a:blip r:embed="rId2">
+            <a:alphaModFix amt="35000"/>
+          </a:blip>
+          <a:srcRect r="444"/>
+          <a:stretch/>
+        </p:blipFill>
+        <p:spPr>
+          <a:xfrm>
+            <a:off x="20" y="10"/>
+            <a:ext cx="12191979" cy="6857990"/>
+          </a:xfrm>
+          <a:prstGeom prst="rect">
+            <a:avLst/>
+          </a:prstGeom>
+        </p:spPr>
+      </p:pic>
+      <p:sp>
+        <p:nvSpPr>
+          <p:cNvPr id="2" name="Title 1">
+            <a:extLst>
+              <a:ext uri="{FF2B5EF4-FFF2-40B4-BE49-F238E27FC236}">
+                <a16:creationId xmlns:a16="http://schemas.microsoft.com/office/drawing/2014/main" id="{E60C9DDD-E9FB-224D-6AAE-6E5486C03E40}"/>
+              </a:ext>
+            </a:extLst>
+          </p:cNvPr>
+          <p:cNvSpPr>
+            <a:spLocks noGrp="1"/>
+          </p:cNvSpPr>
+          <p:nvPr>
+            <p:ph type="title"/>
+          </p:nvPr>
+        </p:nvSpPr>
+        <p:spPr>
+          <a:xfrm>
+            <a:off x="838200" y="365125"/>
+            <a:ext cx="10515600" cy="1325563"/>
+          </a:xfrm>
+        </p:spPr>
+        <p:txBody>
+          <a:bodyPr>
+            <a:normAutofit/>
+          </a:bodyPr>
+          <a:lstStyle/>
+          <a:p>
+            <a:r>
+              <a:rPr lang="en-US" b="0" i="0">
+                <a:solidFill>
+                  <a:srgbClr val="FFFFFF"/>
+                </a:solidFill>
+                <a:effectLst/>
+                <a:latin typeface="Söhne"/>
+              </a:rPr>
+              <a:t>Impact and Benefits</a:t>
+            </a:r>
+            <a:endParaRPr lang="en-US">
+              <a:solidFill>
+                <a:srgbClr val="FFFFFF"/>
+              </a:solidFill>
+            </a:endParaRPr>
+          </a:p>
+        </p:txBody>
+      </p:sp>
+      <p:sp>
+        <p:nvSpPr>
+          <p:cNvPr id="3" name="Content Placeholder 2">
+            <a:extLst>
+              <a:ext uri="{FF2B5EF4-FFF2-40B4-BE49-F238E27FC236}">
+                <a16:creationId xmlns:a16="http://schemas.microsoft.com/office/drawing/2014/main" id="{5013B26A-2C62-823C-10EE-A0E8B49C3C06}"/>
+              </a:ext>
+            </a:extLst>
+          </p:cNvPr>
+          <p:cNvSpPr>
+            <a:spLocks noGrp="1"/>
+          </p:cNvSpPr>
+          <p:nvPr>
+            <p:ph idx="1"/>
+          </p:nvPr>
+        </p:nvSpPr>
+        <p:spPr>
+          <a:xfrm>
+            <a:off x="838200" y="1825625"/>
+            <a:ext cx="10515600" cy="4351338"/>
+          </a:xfrm>
+        </p:spPr>
+        <p:txBody>
+          <a:bodyPr>
+            <a:normAutofit/>
+          </a:bodyPr>
+          <a:lstStyle/>
+          <a:p>
+            <a:pPr>
+              <a:buFont typeface="Arial" panose="020B0604020202020204" pitchFamily="34" charset="0"/>
+              <a:buChar char="•"/>
+            </a:pPr>
+            <a:r>
+              <a:rPr lang="en-US" b="0" i="0">
+                <a:solidFill>
+                  <a:srgbClr val="FFFFFF"/>
+                </a:solidFill>
+                <a:effectLst/>
+                <a:latin typeface="Söhne"/>
+              </a:rPr>
+              <a:t>Enhanced risk management capabilities.</a:t>
+            </a:r>
+          </a:p>
+          <a:p>
+            <a:pPr>
+              <a:buFont typeface="Arial" panose="020B0604020202020204" pitchFamily="34" charset="0"/>
+              <a:buChar char="•"/>
+            </a:pPr>
+            <a:r>
+              <a:rPr lang="en-US" b="0" i="0">
+                <a:solidFill>
+                  <a:srgbClr val="FFFFFF"/>
+                </a:solidFill>
+                <a:effectLst/>
+                <a:latin typeface="Söhne"/>
+              </a:rPr>
+              <a:t>Improved visibility into cloud-related risks.</a:t>
+            </a:r>
+          </a:p>
+          <a:p>
+            <a:pPr>
+              <a:buFont typeface="Arial" panose="020B0604020202020204" pitchFamily="34" charset="0"/>
+              <a:buChar char="•"/>
+            </a:pPr>
+            <a:r>
+              <a:rPr lang="en-US" b="0" i="0">
+                <a:solidFill>
+                  <a:srgbClr val="FFFFFF"/>
+                </a:solidFill>
+                <a:effectLst/>
+                <a:latin typeface="Söhne"/>
+              </a:rPr>
+              <a:t>Facilitated informed decision-making.</a:t>
+            </a:r>
+          </a:p>
+          <a:p>
+            <a:pPr>
+              <a:buFont typeface="Arial" panose="020B0604020202020204" pitchFamily="34" charset="0"/>
+              <a:buChar char="•"/>
+            </a:pPr>
+            <a:r>
+              <a:rPr lang="en-US" b="0" i="0">
+                <a:solidFill>
+                  <a:srgbClr val="FFFFFF"/>
+                </a:solidFill>
+                <a:effectLst/>
+                <a:latin typeface="Söhne"/>
+              </a:rPr>
+              <a:t>Mitigation of potential risks before they escalate.</a:t>
+            </a:r>
+          </a:p>
+          <a:p>
+            <a:endParaRPr lang="en-US">
+              <a:solidFill>
+                <a:srgbClr val="FFFFFF"/>
+              </a:solidFill>
+            </a:endParaRPr>
+          </a:p>
+        </p:txBody>
+      </p:sp>
+    </p:spTree>
+    <p:extLst>
+      <p:ext uri="{BB962C8B-B14F-4D97-AF65-F5344CB8AC3E}">
+        <p14:creationId xmlns:p14="http://schemas.microsoft.com/office/powerpoint/2010/main" val="2834284113"/>
+      </p:ext>
+    </p:extLst>
+  </p:cSld>
+  <p:clrMapOvr>
+    <a:overrideClrMapping bg1="dk1" tx1="lt1" bg2="dk2" tx2="lt2" accent1="accent1" accent2="accent2" accent3="accent3" accent4="accent4" accent5="accent5" accent6="accent6" hlink="hlink" folHlink="folHlink"/>
+  </p:clrMapOvr>
+</p:sld>
+</file>
+
+<file path=ppt/slides/slide9.xml><?xml version="1.0" encoding="utf-8"?>
+<p:sld xmlns:a="http://schemas.openxmlformats.org/drawingml/2006/main" xmlns:r="http://schemas.openxmlformats.org/officeDocument/2006/relationships" xmlns:p="http://schemas.openxmlformats.org/presentationml/2006/main">
+  <p:cSld>
+    <p:bg>
+      <p:bgPr>
+        <a:solidFill>
+          <a:schemeClr val="bg1"/>
+        </a:solidFill>
+        <a:effectLst/>
+      </p:bgPr>
+    </p:bg>
+    <p:spTree>
+      <p:nvGrpSpPr>
+        <p:cNvPr id="1" name=""/>
+        <p:cNvGrpSpPr/>
+        <p:nvPr/>
+      </p:nvGrpSpPr>
+      <p:grpSpPr>
+        <a:xfrm>
+          <a:off x="0" y="0"/>
+          <a:ext cx="0" cy="0"/>
+          <a:chOff x="0" y="0"/>
+          <a:chExt cx="0" cy="0"/>
+        </a:xfrm>
+      </p:grpSpPr>
+      <p:sp>
+        <p:nvSpPr>
+          <p:cNvPr id="19" name="Rectangle 18">
+            <a:extLst>
+              <a:ext uri="{FF2B5EF4-FFF2-40B4-BE49-F238E27FC236}">
+                <a16:creationId xmlns:a16="http://schemas.microsoft.com/office/drawing/2014/main" id="{9228552E-C8B1-4A80-8448-0787CE0FC704}"/>
+              </a:ext>
+              <a:ext uri="{C183D7F6-B498-43B3-948B-1728B52AA6E4}">
+                <adec:decorative xmlns:adec="http://schemas.microsoft.com/office/drawing/2017/decorative" val="1"/>
+              </a:ext>
+            </a:extLst>
+          </p:cNvPr>
+          <p:cNvSpPr>
+            <a:spLocks noGrp="1" noRot="1" noChangeAspect="1" noMove="1" noResize="1" noEditPoints="1" noAdjustHandles="1" noChangeArrowheads="1" noChangeShapeType="1" noTextEdit="1"/>
+          </p:cNvSpPr>
+          <p:nvPr>
+            <p:extLst>
+              <p:ext uri="{386F3935-93C4-4BCD-93E2-E3B085C9AB24}">
+                <p16:designElem xmlns:p16="http://schemas.microsoft.com/office/powerpoint/2015/main" val="1"/>
+              </p:ext>
+            </p:extLst>
+          </p:nvPr>
+        </p:nvSpPr>
+        <p:spPr>
+          <a:xfrm>
+            <a:off x="0" y="0"/>
+            <a:ext cx="12192000" cy="6858000"/>
+          </a:xfrm>
+          <a:prstGeom prst="rect">
+            <a:avLst/>
+          </a:prstGeom>
+          <a:solidFill>
+            <a:srgbClr val="000000"/>
+          </a:solidFill>
+          <a:ln>
+            <a:noFill/>
+          </a:ln>
+        </p:spPr>
+        <p:style>
+          <a:lnRef idx="2">
+            <a:schemeClr val="accent1">
+              <a:shade val="50000"/>
+            </a:schemeClr>
+          </a:lnRef>
+          <a:fillRef idx="1">
+            <a:schemeClr val="accent1"/>
+          </a:fillRef>
+          <a:effectRef idx="0">
+            <a:schemeClr val="accent1"/>
+          </a:effectRef>
+          <a:fontRef idx="minor">
+            <a:schemeClr val="lt1"/>
+          </a:fontRef>
+        </p:style>
+        <p:txBody>
+          <a:bodyPr rtlCol="0" anchor="ctr"/>
+          <a:lstStyle/>
+          <a:p>
+            <a:pPr algn="ctr"/>
+            <a:endParaRPr lang="en-US"/>
+          </a:p>
+        </p:txBody>
+      </p:sp>
+      <p:pic>
+        <p:nvPicPr>
+          <p:cNvPr id="5" name="Picture 4">
+            <a:extLst>
+              <a:ext uri="{FF2B5EF4-FFF2-40B4-BE49-F238E27FC236}">
+                <a16:creationId xmlns:a16="http://schemas.microsoft.com/office/drawing/2014/main" id="{276603CC-2505-7578-B604-F974BC9DAD0B}"/>
+              </a:ext>
+            </a:extLst>
+          </p:cNvPr>
+          <p:cNvPicPr>
+            <a:picLocks noChangeAspect="1"/>
+          </p:cNvPicPr>
+          <p:nvPr/>
+        </p:nvPicPr>
+        <p:blipFill rotWithShape="1">
+          <a:blip r:embed="rId2">
+            <a:alphaModFix amt="35000"/>
+          </a:blip>
+          <a:srcRect r="444"/>
+          <a:stretch/>
+        </p:blipFill>
+        <p:spPr>
+          <a:xfrm>
+            <a:off x="20" y="10"/>
+            <a:ext cx="12191979" cy="6857990"/>
+          </a:xfrm>
+          <a:prstGeom prst="rect">
+            <a:avLst/>
+          </a:prstGeom>
+        </p:spPr>
+      </p:pic>
+      <p:sp>
+        <p:nvSpPr>
+          <p:cNvPr id="2" name="Title 1">
+            <a:extLst>
+              <a:ext uri="{FF2B5EF4-FFF2-40B4-BE49-F238E27FC236}">
+                <a16:creationId xmlns:a16="http://schemas.microsoft.com/office/drawing/2014/main" id="{6F9D1730-018C-9CF4-2EC7-1513AB764CC6}"/>
+              </a:ext>
+            </a:extLst>
+          </p:cNvPr>
+          <p:cNvSpPr>
+            <a:spLocks noGrp="1"/>
+          </p:cNvSpPr>
+          <p:nvPr>
+            <p:ph type="title"/>
+          </p:nvPr>
+        </p:nvSpPr>
+        <p:spPr>
+          <a:xfrm>
+            <a:off x="838200" y="365125"/>
+            <a:ext cx="10515600" cy="1325563"/>
+          </a:xfrm>
+        </p:spPr>
+        <p:txBody>
+          <a:bodyPr>
+            <a:normAutofit/>
+          </a:bodyPr>
+          <a:lstStyle/>
+          <a:p>
+            <a:r>
+              <a:rPr lang="en-US" b="0" i="0">
+                <a:solidFill>
+                  <a:srgbClr val="FFFFFF"/>
+                </a:solidFill>
+                <a:effectLst/>
+                <a:latin typeface="Söhne"/>
+              </a:rPr>
+              <a:t>Future Recommendations</a:t>
+            </a:r>
+            <a:endParaRPr lang="en-US">
+              <a:solidFill>
+                <a:srgbClr val="FFFFFF"/>
+              </a:solidFill>
+            </a:endParaRPr>
+          </a:p>
+        </p:txBody>
+      </p:sp>
+      <p:sp>
+        <p:nvSpPr>
+          <p:cNvPr id="3" name="Content Placeholder 2">
+            <a:extLst>
+              <a:ext uri="{FF2B5EF4-FFF2-40B4-BE49-F238E27FC236}">
+                <a16:creationId xmlns:a16="http://schemas.microsoft.com/office/drawing/2014/main" id="{06858E4E-42E5-F37A-5923-4089C07E0642}"/>
+              </a:ext>
+            </a:extLst>
+          </p:cNvPr>
+          <p:cNvSpPr>
+            <a:spLocks noGrp="1"/>
+          </p:cNvSpPr>
+          <p:nvPr>
+            <p:ph idx="1"/>
+          </p:nvPr>
+        </p:nvSpPr>
+        <p:spPr>
+          <a:xfrm>
+            <a:off x="838200" y="1825625"/>
+            <a:ext cx="10515600" cy="4351338"/>
+          </a:xfrm>
+        </p:spPr>
+        <p:txBody>
+          <a:bodyPr>
+            <a:normAutofit/>
+          </a:bodyPr>
+          <a:lstStyle/>
+          <a:p>
+            <a:pPr>
+              <a:buFont typeface="Arial" panose="020B0604020202020204" pitchFamily="34" charset="0"/>
+              <a:buChar char="•"/>
+            </a:pPr>
+            <a:r>
+              <a:rPr lang="en-US" b="0" i="0">
+                <a:solidFill>
+                  <a:srgbClr val="FFFFFF"/>
+                </a:solidFill>
+                <a:effectLst/>
+                <a:latin typeface="Söhne"/>
+              </a:rPr>
+              <a:t>Continuously monitor and update risk reporting framework.</a:t>
+            </a:r>
+          </a:p>
+          <a:p>
+            <a:pPr>
+              <a:buFont typeface="Arial" panose="020B0604020202020204" pitchFamily="34" charset="0"/>
+              <a:buChar char="•"/>
+            </a:pPr>
+            <a:r>
+              <a:rPr lang="en-US" b="0" i="0">
+                <a:solidFill>
+                  <a:srgbClr val="FFFFFF"/>
+                </a:solidFill>
+                <a:effectLst/>
+                <a:latin typeface="Söhne"/>
+              </a:rPr>
+              <a:t>Incorporate machine learning algorithms for predictive risk analysis.</a:t>
+            </a:r>
+          </a:p>
+          <a:p>
+            <a:pPr>
+              <a:buFont typeface="Arial" panose="020B0604020202020204" pitchFamily="34" charset="0"/>
+              <a:buChar char="•"/>
+            </a:pPr>
+            <a:r>
+              <a:rPr lang="en-US" b="0" i="0">
+                <a:solidFill>
+                  <a:srgbClr val="FFFFFF"/>
+                </a:solidFill>
+                <a:effectLst/>
+                <a:latin typeface="Söhne"/>
+              </a:rPr>
+              <a:t>Collaborate with stakeholders to enhance risk awareness and mitigation efforts.</a:t>
+            </a:r>
+          </a:p>
+          <a:p>
+            <a:endParaRPr lang="en-US">
+              <a:solidFill>
+                <a:srgbClr val="FFFFFF"/>
+              </a:solidFill>
+            </a:endParaRPr>
+          </a:p>
+        </p:txBody>
+      </p:sp>
+    </p:spTree>
+    <p:extLst>
+      <p:ext uri="{BB962C8B-B14F-4D97-AF65-F5344CB8AC3E}">
+        <p14:creationId xmlns:p14="http://schemas.microsoft.com/office/powerpoint/2010/main" val="1445948278"/>
+      </p:ext>
+    </p:extLst>
+  </p:cSld>
+  <p:clrMapOvr>
+    <a:overrideClrMapping bg1="dk1" tx1="lt1" bg2="dk2" tx2="lt2" accent1="accent1" accent2="accent2" accent3="accent3" accent4="accent4" accent5="accent5" accent6="accent6" hlink="hlink" folHlink="folHlink"/>
   </p:clrMapOvr>
 </p:sld>
 </file>
@@ -3398,39 +6326,39 @@
         <a:sysClr val="window" lastClr="FFFFFF"/>
       </a:lt1>
       <a:dk2>
-        <a:srgbClr val="44546A"/>
+        <a:srgbClr val="0E2841"/>
       </a:dk2>
       <a:lt2>
-        <a:srgbClr val="E7E6E6"/>
+        <a:srgbClr val="E8E8E8"/>
       </a:lt2>
       <a:accent1>
-        <a:srgbClr val="4472C4"/>
+        <a:srgbClr val="156082"/>
       </a:accent1>
       <a:accent2>
-        <a:srgbClr val="ED7D31"/>
+        <a:srgbClr val="E97132"/>
       </a:accent2>
       <a:accent3>
-        <a:srgbClr val="A5A5A5"/>
+        <a:srgbClr val="196B24"/>
       </a:accent3>
       <a:accent4>
-        <a:srgbClr val="FFC000"/>
+        <a:srgbClr val="0F9ED5"/>
       </a:accent4>
       <a:accent5>
-        <a:srgbClr val="5B9BD5"/>
+        <a:srgbClr val="A02B93"/>
       </a:accent5>
       <a:accent6>
-        <a:srgbClr val="70AD47"/>
+        <a:srgbClr val="4EA72E"/>
       </a:accent6>
       <a:hlink>
-        <a:srgbClr val="0563C1"/>
+        <a:srgbClr val="467886"/>
       </a:hlink>
       <a:folHlink>
-        <a:srgbClr val="954F72"/>
+        <a:srgbClr val="96607D"/>
       </a:folHlink>
     </a:clrScheme>
     <a:fontScheme name="Office">
       <a:majorFont>
-        <a:latin typeface="Calibri Light" panose="020F0302020204030204"/>
+        <a:latin typeface="Aptos Display" panose="02110004020202020204"/>
         <a:ea typeface=""/>
         <a:cs typeface=""/>
         <a:font script="Jpan" typeface="游ゴシック Light"/>
@@ -3482,7 +6410,7 @@
         <a:font script="Tfng" typeface="Ebrima"/>
       </a:majorFont>
       <a:minorFont>
-        <a:latin typeface="Calibri" panose="020F0502020204030204"/>
+        <a:latin typeface="Aptos" panose="02110004020202020204"/>
         <a:ea typeface=""/>
         <a:cs typeface=""/>
         <a:font script="Jpan" typeface="游ゴシック"/>
@@ -3593,13 +6521,6 @@
         </a:gradFill>
       </a:fillStyleLst>
       <a:lnStyleLst>
-        <a:ln w="6350" cap="flat" cmpd="sng" algn="ctr">
-          <a:solidFill>
-            <a:schemeClr val="phClr"/>
-          </a:solidFill>
-          <a:prstDash val="solid"/>
-          <a:miter lim="800000"/>
-        </a:ln>
         <a:ln w="12700" cap="flat" cmpd="sng" algn="ctr">
           <a:solidFill>
             <a:schemeClr val="phClr"/>
@@ -3608,6 +6529,13 @@
           <a:miter lim="800000"/>
         </a:ln>
         <a:ln w="19050" cap="flat" cmpd="sng" algn="ctr">
+          <a:solidFill>
+            <a:schemeClr val="phClr"/>
+          </a:solidFill>
+          <a:prstDash val="solid"/>
+          <a:miter lim="800000"/>
+        </a:ln>
+        <a:ln w="25400" cap="flat" cmpd="sng" algn="ctr">
           <a:solidFill>
             <a:schemeClr val="phClr"/>
           </a:solidFill>
@@ -3672,11 +6600,31 @@
       </a:bgFillStyleLst>
     </a:fmtScheme>
   </a:themeElements>
-  <a:objectDefaults/>
+  <a:objectDefaults>
+    <a:lnDef>
+      <a:spPr/>
+      <a:bodyPr/>
+      <a:lstStyle/>
+      <a:style>
+        <a:lnRef idx="2">
+          <a:schemeClr val="accent1"/>
+        </a:lnRef>
+        <a:fillRef idx="0">
+          <a:schemeClr val="accent1"/>
+        </a:fillRef>
+        <a:effectRef idx="1">
+          <a:schemeClr val="accent1"/>
+        </a:effectRef>
+        <a:fontRef idx="minor">
+          <a:schemeClr val="tx1"/>
+        </a:fontRef>
+      </a:style>
+    </a:lnDef>
+  </a:objectDefaults>
   <a:extraClrSchemeLst/>
   <a:extLst>
     <a:ext uri="{05A4C25C-085E-4340-85A3-A5531E510DB2}">
-      <thm15:themeFamily xmlns:thm15="http://schemas.microsoft.com/office/thememl/2012/main" name="Office Theme" id="{62F939B6-93AF-4DB8-9C6B-D6C7DFDC589F}" vid="{4A3C46E8-61CC-4603-A589-7422A47A8E4A}"/>
+      <thm15:themeFamily xmlns:thm15="http://schemas.microsoft.com/office/thememl/2012/main" name="Office Theme" id="{2E142A2C-CD16-42D6-873A-C26D2A0506FA}" vid="{1BDDFF52-6CD6-40A5-AB3C-68EB2F1E4D0A}"/>
     </a:ext>
   </a:extLst>
 </a:theme>
